--- a/document/底层课件/02-Runtime.pptx
+++ b/document/底层课件/02-Runtime.pptx
@@ -287,10 +287,6 @@
 </p:presentation>
 </file>
 
-<file path=ppt/revisionInfo.xml><?xml version="1.0" encoding="utf-8"?>
-<p1510:revInfo xmlns:a="http://schemas.openxmlformats.org/drawingml/2006/main" xmlns:r="http://schemas.openxmlformats.org/officeDocument/2006/relationships" xmlns:p1510="http://schemas.microsoft.com/office/powerpoint/2015/10/main"/>
-</file>
-
 <file path=ppt/handoutMasters/handoutMaster1.xml><?xml version="1.0" encoding="utf-8"?>
 <p:handoutMaster xmlns:a="http://schemas.openxmlformats.org/drawingml/2006/main" xmlns:r="http://schemas.openxmlformats.org/officeDocument/2006/relationships" xmlns:p="http://schemas.openxmlformats.org/presentationml/2006/main">
   <p:cSld>
@@ -318,7 +314,7 @@
           <p:cNvPr id="2" name="页眉占位符 1">
             <a:extLst>
               <a:ext uri="{FF2B5EF4-FFF2-40B4-BE49-F238E27FC236}">
-                <a16:creationId xmlns="" xmlns:a16="http://schemas.microsoft.com/office/drawing/2014/main" id="{AFCBEEA2-BF04-4625-9D90-F4291A119A41}"/>
+                <a16:creationId xmlns:a16="http://schemas.microsoft.com/office/drawing/2014/main" id="{AFCBEEA2-BF04-4625-9D90-F4291A119A41}"/>
               </a:ext>
             </a:extLst>
           </p:cNvPr>
@@ -355,7 +351,7 @@
           <p:cNvPr id="3" name="日期占位符 2">
             <a:extLst>
               <a:ext uri="{FF2B5EF4-FFF2-40B4-BE49-F238E27FC236}">
-                <a16:creationId xmlns="" xmlns:a16="http://schemas.microsoft.com/office/drawing/2014/main" id="{7691C78A-5A0F-4F2E-9C48-9BEEFCC112A7}"/>
+                <a16:creationId xmlns:a16="http://schemas.microsoft.com/office/drawing/2014/main" id="{7691C78A-5A0F-4F2E-9C48-9BEEFCC112A7}"/>
               </a:ext>
             </a:extLst>
           </p:cNvPr>
@@ -385,7 +381,7 @@
           <a:p>
             <a:fld id="{2B87634C-074B-4260-9010-E574428551B5}" type="datetimeFigureOut">
               <a:rPr lang="zh-CN" altLang="en-US" smtClean="0"/>
-              <a:t>2018/5/31</a:t>
+              <a:t>2019/11/25</a:t>
             </a:fld>
             <a:endParaRPr lang="zh-CN" altLang="en-US"/>
           </a:p>
@@ -396,7 +392,7 @@
           <p:cNvPr id="4" name="页脚占位符 3">
             <a:extLst>
               <a:ext uri="{FF2B5EF4-FFF2-40B4-BE49-F238E27FC236}">
-                <a16:creationId xmlns="" xmlns:a16="http://schemas.microsoft.com/office/drawing/2014/main" id="{0CD4B301-C1F1-4488-BE41-C37374152C4E}"/>
+                <a16:creationId xmlns:a16="http://schemas.microsoft.com/office/drawing/2014/main" id="{0CD4B301-C1F1-4488-BE41-C37374152C4E}"/>
               </a:ext>
             </a:extLst>
           </p:cNvPr>
@@ -433,7 +429,7 @@
           <p:cNvPr id="5" name="灯片编号占位符 4">
             <a:extLst>
               <a:ext uri="{FF2B5EF4-FFF2-40B4-BE49-F238E27FC236}">
-                <a16:creationId xmlns="" xmlns:a16="http://schemas.microsoft.com/office/drawing/2014/main" id="{9927E0BC-A1AC-4B31-B1CD-ECA55CA19D86}"/>
+                <a16:creationId xmlns:a16="http://schemas.microsoft.com/office/drawing/2014/main" id="{9927E0BC-A1AC-4B31-B1CD-ECA55CA19D86}"/>
               </a:ext>
             </a:extLst>
           </p:cNvPr>
@@ -562,7 +558,7 @@
           <a:p>
             <a:fld id="{C25591C1-7BBD-4BAD-9912-0ADD21A74F01}" type="datetimeFigureOut">
               <a:rPr lang="zh-CN" altLang="en-US" smtClean="0"/>
-              <a:t>2018/5/31</a:t>
+              <a:t>2019/11/25</a:t>
             </a:fld>
             <a:endParaRPr lang="zh-CN" altLang="en-US"/>
           </a:p>
@@ -851,7 +847,7 @@
           <p:cNvPr id="9" name="图片 6">
             <a:extLst>
               <a:ext uri="{FF2B5EF4-FFF2-40B4-BE49-F238E27FC236}">
-                <a16:creationId xmlns="" xmlns:a16="http://schemas.microsoft.com/office/drawing/2014/main" id="{F619AC0B-D093-4B29-BED5-E396B58FD119}"/>
+                <a16:creationId xmlns:a16="http://schemas.microsoft.com/office/drawing/2014/main" id="{F619AC0B-D093-4B29-BED5-E396B58FD119}"/>
               </a:ext>
             </a:extLst>
           </p:cNvPr>
@@ -885,7 +881,7 @@
           <p:cNvPr id="10" name="图片 1">
             <a:extLst>
               <a:ext uri="{FF2B5EF4-FFF2-40B4-BE49-F238E27FC236}">
-                <a16:creationId xmlns="" xmlns:a16="http://schemas.microsoft.com/office/drawing/2014/main" id="{EC130C9D-3B92-4E92-AF34-4C37ACD51527}"/>
+                <a16:creationId xmlns:a16="http://schemas.microsoft.com/office/drawing/2014/main" id="{EC130C9D-3B92-4E92-AF34-4C37ACD51527}"/>
               </a:ext>
             </a:extLst>
           </p:cNvPr>
@@ -919,7 +915,7 @@
           <p:cNvPr id="11" name="矩形 25">
             <a:extLst>
               <a:ext uri="{FF2B5EF4-FFF2-40B4-BE49-F238E27FC236}">
-                <a16:creationId xmlns="" xmlns:a16="http://schemas.microsoft.com/office/drawing/2014/main" id="{36BA4FD9-4EAF-40CB-91E3-48F885239803}"/>
+                <a16:creationId xmlns:a16="http://schemas.microsoft.com/office/drawing/2014/main" id="{36BA4FD9-4EAF-40CB-91E3-48F885239803}"/>
               </a:ext>
             </a:extLst>
           </p:cNvPr>
@@ -991,7 +987,7 @@
           <p:cNvPr id="5" name="标题 1">
             <a:extLst>
               <a:ext uri="{FF2B5EF4-FFF2-40B4-BE49-F238E27FC236}">
-                <a16:creationId xmlns="" xmlns:a16="http://schemas.microsoft.com/office/drawing/2014/main" id="{E772C4B5-AB4E-43B0-B717-25071084FD9A}"/>
+                <a16:creationId xmlns:a16="http://schemas.microsoft.com/office/drawing/2014/main" id="{E772C4B5-AB4E-43B0-B717-25071084FD9A}"/>
               </a:ext>
             </a:extLst>
           </p:cNvPr>
@@ -1033,7 +1029,7 @@
           <p:cNvPr id="6" name="副标题 2">
             <a:extLst>
               <a:ext uri="{FF2B5EF4-FFF2-40B4-BE49-F238E27FC236}">
-                <a16:creationId xmlns="" xmlns:a16="http://schemas.microsoft.com/office/drawing/2014/main" id="{B401CC44-47BA-4904-A587-245165E74651}"/>
+                <a16:creationId xmlns:a16="http://schemas.microsoft.com/office/drawing/2014/main" id="{B401CC44-47BA-4904-A587-245165E74651}"/>
               </a:ext>
             </a:extLst>
           </p:cNvPr>
@@ -1144,7 +1140,7 @@
           <p:cNvPr id="9" name="图片 5">
             <a:extLst>
               <a:ext uri="{FF2B5EF4-FFF2-40B4-BE49-F238E27FC236}">
-                <a16:creationId xmlns="" xmlns:a16="http://schemas.microsoft.com/office/drawing/2014/main" id="{F612FBBA-ABAE-4812-AAB2-77CA48D54191}"/>
+                <a16:creationId xmlns:a16="http://schemas.microsoft.com/office/drawing/2014/main" id="{F612FBBA-ABAE-4812-AAB2-77CA48D54191}"/>
               </a:ext>
             </a:extLst>
           </p:cNvPr>
@@ -1178,7 +1174,7 @@
           <p:cNvPr id="11" name="矩形 29">
             <a:extLst>
               <a:ext uri="{FF2B5EF4-FFF2-40B4-BE49-F238E27FC236}">
-                <a16:creationId xmlns="" xmlns:a16="http://schemas.microsoft.com/office/drawing/2014/main" id="{89038A74-5A1B-45B4-AA7D-C9934D2FDABC}"/>
+                <a16:creationId xmlns:a16="http://schemas.microsoft.com/office/drawing/2014/main" id="{89038A74-5A1B-45B4-AA7D-C9934D2FDABC}"/>
               </a:ext>
             </a:extLst>
           </p:cNvPr>
@@ -1223,7 +1219,7 @@
           <p:cNvPr id="12" name="图片 1">
             <a:extLst>
               <a:ext uri="{FF2B5EF4-FFF2-40B4-BE49-F238E27FC236}">
-                <a16:creationId xmlns="" xmlns:a16="http://schemas.microsoft.com/office/drawing/2014/main" id="{DB3FFE7C-0303-4D2A-9F24-474FCCD761CB}"/>
+                <a16:creationId xmlns:a16="http://schemas.microsoft.com/office/drawing/2014/main" id="{DB3FFE7C-0303-4D2A-9F24-474FCCD761CB}"/>
               </a:ext>
             </a:extLst>
           </p:cNvPr>
@@ -1257,7 +1253,7 @@
           <p:cNvPr id="8" name="标题占位符 1">
             <a:extLst>
               <a:ext uri="{FF2B5EF4-FFF2-40B4-BE49-F238E27FC236}">
-                <a16:creationId xmlns="" xmlns:a16="http://schemas.microsoft.com/office/drawing/2014/main" id="{F3C067B8-78E3-4D7C-B8BF-D55591977898}"/>
+                <a16:creationId xmlns:a16="http://schemas.microsoft.com/office/drawing/2014/main" id="{F3C067B8-78E3-4D7C-B8BF-D55591977898}"/>
               </a:ext>
             </a:extLst>
           </p:cNvPr>
@@ -1309,7 +1305,7 @@
           <p:cNvPr id="13" name="内容占位符 2">
             <a:extLst>
               <a:ext uri="{FF2B5EF4-FFF2-40B4-BE49-F238E27FC236}">
-                <a16:creationId xmlns="" xmlns:a16="http://schemas.microsoft.com/office/drawing/2014/main" id="{E8B5E84D-8FAC-4FA6-9CA7-55579F675DFC}"/>
+                <a16:creationId xmlns:a16="http://schemas.microsoft.com/office/drawing/2014/main" id="{E8B5E84D-8FAC-4FA6-9CA7-55579F675DFC}"/>
               </a:ext>
             </a:extLst>
           </p:cNvPr>
@@ -1617,7 +1613,7 @@
           <a:p>
             <a:fld id="{72D8E73B-0927-45CC-BC19-B5A752C4C781}" type="datetimeFigureOut">
               <a:rPr lang="zh-CN" altLang="en-US" smtClean="0"/>
-              <a:t>2018/5/31</a:t>
+              <a:t>2019/11/25</a:t>
             </a:fld>
             <a:endParaRPr lang="zh-CN" altLang="en-US"/>
           </a:p>
@@ -2018,7 +2014,7 @@
           <p:cNvPr id="2" name="标题 1">
             <a:extLst>
               <a:ext uri="{FF2B5EF4-FFF2-40B4-BE49-F238E27FC236}">
-                <a16:creationId xmlns:a16="http://schemas.microsoft.com/office/drawing/2014/main" xmlns="" id="{355D2A8A-4D20-46E7-AB5F-6F0B875B77E9}"/>
+                <a16:creationId xmlns:a16="http://schemas.microsoft.com/office/drawing/2014/main" id="{355D2A8A-4D20-46E7-AB5F-6F0B875B77E9}"/>
               </a:ext>
             </a:extLst>
           </p:cNvPr>
@@ -2049,7 +2045,7 @@
           <p:cNvPr id="3" name="副标题 2">
             <a:extLst>
               <a:ext uri="{FF2B5EF4-FFF2-40B4-BE49-F238E27FC236}">
-                <a16:creationId xmlns:a16="http://schemas.microsoft.com/office/drawing/2014/main" xmlns="" id="{F8E18B87-7327-4283-B60A-4EF5B1BB4F6D}"/>
+                <a16:creationId xmlns:a16="http://schemas.microsoft.com/office/drawing/2014/main" id="{F8E18B87-7327-4283-B60A-4EF5B1BB4F6D}"/>
               </a:ext>
             </a:extLst>
           </p:cNvPr>
@@ -2088,7 +2084,7 @@
           <p:cNvPr id="4" name="副标题 2">
             <a:extLst>
               <a:ext uri="{FF2B5EF4-FFF2-40B4-BE49-F238E27FC236}">
-                <a16:creationId xmlns="" xmlns:a16="http://schemas.microsoft.com/office/drawing/2014/main" id="{F8E18B87-7327-4283-B60A-4EF5B1BB4F6D}"/>
+                <a16:creationId xmlns:a16="http://schemas.microsoft.com/office/drawing/2014/main" id="{F8E18B87-7327-4283-B60A-4EF5B1BB4F6D}"/>
               </a:ext>
             </a:extLst>
           </p:cNvPr>
@@ -2295,13 +2291,6 @@
   <p:clrMapOvr>
     <a:masterClrMapping/>
   </p:clrMapOvr>
-  <p:timing>
-    <p:tnLst>
-      <p:par>
-        <p:cTn id="1" dur="indefinite" restart="never" nodeType="tmRoot"/>
-      </p:par>
-    </p:tnLst>
-  </p:timing>
 </p:sld>
 </file>
 
@@ -2971,7 +2960,7 @@
           <p:cNvPr id="4" name="标题 3">
             <a:extLst>
               <a:ext uri="{FF2B5EF4-FFF2-40B4-BE49-F238E27FC236}">
-                <a16:creationId xmlns:a16="http://schemas.microsoft.com/office/drawing/2014/main" xmlns="" id="{5DCC7AE5-7EF9-4964-8408-F84B72D5D253}"/>
+                <a16:creationId xmlns:a16="http://schemas.microsoft.com/office/drawing/2014/main" id="{5DCC7AE5-7EF9-4964-8408-F84B72D5D253}"/>
               </a:ext>
             </a:extLst>
           </p:cNvPr>
@@ -3006,7 +2995,7 @@
         </p:nvSpPr>
         <p:spPr>
           <a:xfrm>
-            <a:off x="160020" y="1203433"/>
+            <a:off x="355261" y="1203433"/>
             <a:ext cx="11836739" cy="1505478"/>
           </a:xfrm>
           <a:prstGeom prst="rect">
@@ -3028,7 +3017,7 @@
               <a:buChar char="n"/>
             </a:pPr>
             <a:r>
-              <a:rPr lang="zh-CN" altLang="en-US" sz="1600">
+              <a:rPr lang="zh-CN" altLang="en-US" sz="1600" dirty="0">
                 <a:solidFill>
                   <a:schemeClr val="tx1">
                     <a:lumMod val="65000"/>
@@ -3041,7 +3030,7 @@
               <a:t>要想学习</a:t>
             </a:r>
             <a:r>
-              <a:rPr lang="en-US" altLang="zh-CN" sz="1600">
+              <a:rPr lang="en-US" altLang="zh-CN" sz="1600" dirty="0">
                 <a:solidFill>
                   <a:schemeClr val="tx1">
                     <a:lumMod val="65000"/>
@@ -3054,7 +3043,7 @@
               <a:t>Runtime</a:t>
             </a:r>
             <a:r>
-              <a:rPr lang="zh-CN" altLang="en-US" sz="1600">
+              <a:rPr lang="zh-CN" altLang="en-US" sz="1600" dirty="0">
                 <a:solidFill>
                   <a:schemeClr val="tx1">
                     <a:lumMod val="65000"/>
@@ -3067,7 +3056,7 @@
               <a:t>，首先要了解它底层的一些常用数据结构，比如</a:t>
             </a:r>
             <a:r>
-              <a:rPr lang="en-US" altLang="zh-CN" sz="1600">
+              <a:rPr lang="en-US" altLang="zh-CN" sz="1600" dirty="0" err="1">
                 <a:solidFill>
                   <a:schemeClr val="tx1">
                     <a:lumMod val="65000"/>
@@ -3080,7 +3069,7 @@
               <a:t>isa</a:t>
             </a:r>
             <a:r>
-              <a:rPr lang="zh-CN" altLang="en-US" sz="1600">
+              <a:rPr lang="zh-CN" altLang="en-US" sz="1600" dirty="0">
                 <a:solidFill>
                   <a:schemeClr val="tx1">
                     <a:lumMod val="65000"/>
@@ -3092,7 +3081,7 @@
               </a:rPr>
               <a:t>指针</a:t>
             </a:r>
-            <a:endParaRPr lang="en-US" altLang="zh-CN" sz="1600">
+            <a:endParaRPr lang="en-US" altLang="zh-CN" sz="1600" dirty="0">
               <a:solidFill>
                 <a:schemeClr val="tx1">
                   <a:lumMod val="65000"/>
@@ -3111,7 +3100,7 @@
               <a:buFont typeface="Wingdings" charset="2"/>
               <a:buChar char="n"/>
             </a:pPr>
-            <a:endParaRPr lang="en-US" altLang="zh-CN" sz="1600">
+            <a:endParaRPr lang="en-US" altLang="zh-CN" sz="1600" dirty="0">
               <a:solidFill>
                 <a:schemeClr val="tx1">
                   <a:lumMod val="65000"/>
@@ -3131,7 +3120,7 @@
               <a:buChar char="n"/>
             </a:pPr>
             <a:r>
-              <a:rPr lang="zh-CN" altLang="en-US" sz="1600">
+              <a:rPr lang="zh-CN" altLang="en-US" sz="1600" dirty="0">
                 <a:solidFill>
                   <a:schemeClr val="tx1">
                     <a:lumMod val="65000"/>
@@ -3144,7 +3133,7 @@
               <a:t>在</a:t>
             </a:r>
             <a:r>
-              <a:rPr lang="en-US" altLang="zh-CN" sz="1600">
+              <a:rPr lang="en-US" altLang="zh-CN" sz="1600" dirty="0">
                 <a:solidFill>
                   <a:schemeClr val="tx1">
                     <a:lumMod val="65000"/>
@@ -3157,7 +3146,7 @@
               <a:t>arm64</a:t>
             </a:r>
             <a:r>
-              <a:rPr lang="zh-CN" altLang="en-US" sz="1600">
+              <a:rPr lang="zh-CN" altLang="en-US" sz="1600" dirty="0">
                 <a:solidFill>
                   <a:schemeClr val="tx1">
                     <a:lumMod val="65000"/>
@@ -3170,7 +3159,7 @@
               <a:t>架构之前，</a:t>
             </a:r>
             <a:r>
-              <a:rPr lang="en-US" altLang="zh-CN" sz="1600">
+              <a:rPr lang="en-US" altLang="zh-CN" sz="1600" dirty="0" err="1">
                 <a:solidFill>
                   <a:schemeClr val="tx1">
                     <a:lumMod val="65000"/>
@@ -3183,7 +3172,7 @@
               <a:t>isa</a:t>
             </a:r>
             <a:r>
-              <a:rPr lang="zh-CN" altLang="en-US" sz="1600">
+              <a:rPr lang="zh-CN" altLang="en-US" sz="1600" dirty="0">
                 <a:solidFill>
                   <a:schemeClr val="tx1">
                     <a:lumMod val="65000"/>
@@ -3196,7 +3185,7 @@
               <a:t>就是一个普通的指针，存储着</a:t>
             </a:r>
             <a:r>
-              <a:rPr lang="en-US" altLang="zh-CN" sz="1600">
+              <a:rPr lang="en-US" altLang="zh-CN" sz="1600" dirty="0">
                 <a:solidFill>
                   <a:schemeClr val="tx1">
                     <a:lumMod val="65000"/>
@@ -3209,7 +3198,7 @@
               <a:t>Class</a:t>
             </a:r>
             <a:r>
-              <a:rPr lang="zh-CN" altLang="en-US" sz="1600">
+              <a:rPr lang="zh-CN" altLang="en-US" sz="1600" dirty="0">
                 <a:solidFill>
                   <a:schemeClr val="tx1">
                     <a:lumMod val="65000"/>
@@ -3222,7 +3211,7 @@
               <a:t>、</a:t>
             </a:r>
             <a:r>
-              <a:rPr lang="en-US" altLang="zh-CN" sz="1600">
+              <a:rPr lang="en-US" altLang="zh-CN" sz="1600" dirty="0">
                 <a:solidFill>
                   <a:schemeClr val="tx1">
                     <a:lumMod val="65000"/>
@@ -3235,7 +3224,7 @@
               <a:t>Meta-Class</a:t>
             </a:r>
             <a:r>
-              <a:rPr lang="zh-CN" altLang="en-US" sz="1600">
+              <a:rPr lang="zh-CN" altLang="en-US" sz="1600" dirty="0">
                 <a:solidFill>
                   <a:schemeClr val="tx1">
                     <a:lumMod val="65000"/>
@@ -3247,7 +3236,7 @@
               </a:rPr>
               <a:t>对象的内存地址</a:t>
             </a:r>
-            <a:endParaRPr lang="en-US" altLang="zh-CN" sz="1600">
+            <a:endParaRPr lang="en-US" altLang="zh-CN" sz="1600" dirty="0">
               <a:solidFill>
                 <a:schemeClr val="tx1">
                   <a:lumMod val="65000"/>
@@ -3266,7 +3255,7 @@
               <a:buFont typeface="Wingdings" charset="2"/>
               <a:buChar char="n"/>
             </a:pPr>
-            <a:endParaRPr lang="en-US" altLang="zh-CN" sz="1600">
+            <a:endParaRPr lang="en-US" altLang="zh-CN" sz="1600" dirty="0">
               <a:solidFill>
                 <a:schemeClr val="tx1">
                   <a:lumMod val="65000"/>
@@ -3286,7 +3275,7 @@
               <a:buChar char="n"/>
             </a:pPr>
             <a:r>
-              <a:rPr lang="zh-CN" altLang="en-US" sz="1600">
+              <a:rPr lang="zh-CN" altLang="en-US" sz="1600" dirty="0">
                 <a:solidFill>
                   <a:schemeClr val="tx1">
                     <a:lumMod val="65000"/>
@@ -3299,7 +3288,7 @@
               <a:t>从</a:t>
             </a:r>
             <a:r>
-              <a:rPr lang="en-US" altLang="zh-CN" sz="1600">
+              <a:rPr lang="en-US" altLang="zh-CN" sz="1600" dirty="0">
                 <a:solidFill>
                   <a:schemeClr val="tx1">
                     <a:lumMod val="65000"/>
@@ -3312,7 +3301,7 @@
               <a:t>arm64</a:t>
             </a:r>
             <a:r>
-              <a:rPr lang="zh-CN" altLang="en-US" sz="1600">
+              <a:rPr lang="zh-CN" altLang="en-US" sz="1600" dirty="0">
                 <a:solidFill>
                   <a:schemeClr val="tx1">
                     <a:lumMod val="65000"/>
@@ -3325,7 +3314,7 @@
               <a:t>架构开始，对</a:t>
             </a:r>
             <a:r>
-              <a:rPr lang="en-US" altLang="zh-CN" sz="1600">
+              <a:rPr lang="en-US" altLang="zh-CN" sz="1600" dirty="0" err="1">
                 <a:solidFill>
                   <a:schemeClr val="tx1">
                     <a:lumMod val="65000"/>
@@ -3338,7 +3327,7 @@
               <a:t>isa</a:t>
             </a:r>
             <a:r>
-              <a:rPr lang="zh-CN" altLang="en-US" sz="1600">
+              <a:rPr lang="zh-CN" altLang="en-US" sz="1600" dirty="0">
                 <a:solidFill>
                   <a:schemeClr val="tx1">
                     <a:lumMod val="65000"/>
@@ -3351,7 +3340,7 @@
               <a:t>进行了优化，变成了一个共用体（</a:t>
             </a:r>
             <a:r>
-              <a:rPr lang="en-US" altLang="zh-CN" sz="1600">
+              <a:rPr lang="en-US" altLang="zh-CN" sz="1600" dirty="0">
                 <a:solidFill>
                   <a:srgbClr val="AA0D91"/>
                 </a:solidFill>
@@ -3360,7 +3349,7 @@
               <a:t>union</a:t>
             </a:r>
             <a:r>
-              <a:rPr lang="zh-CN" altLang="en-US" sz="1600">
+              <a:rPr lang="zh-CN" altLang="en-US" sz="1600" dirty="0">
                 <a:solidFill>
                   <a:schemeClr val="tx1">
                     <a:lumMod val="65000"/>
@@ -3372,7 +3361,7 @@
               </a:rPr>
               <a:t>）结构，还使用位域来存储更多的信息</a:t>
             </a:r>
-            <a:endParaRPr lang="en-US" altLang="zh-CN" sz="1600">
+            <a:endParaRPr lang="en-US" altLang="zh-CN" sz="1600" dirty="0">
               <a:solidFill>
                 <a:schemeClr val="tx1">
                   <a:lumMod val="65000"/>
@@ -3391,7 +3380,7 @@
               <a:buFont typeface="Wingdings" charset="2"/>
               <a:buChar char="n"/>
             </a:pPr>
-            <a:endParaRPr lang="en-US" altLang="zh-CN" sz="1600">
+            <a:endParaRPr lang="en-US" altLang="zh-CN" sz="1600" dirty="0">
               <a:solidFill>
                 <a:schemeClr val="tx1">
                   <a:lumMod val="65000"/>
@@ -3410,7 +3399,7 @@
               <a:buFont typeface="Wingdings" charset="2"/>
               <a:buChar char="n"/>
             </a:pPr>
-            <a:endParaRPr lang="zh-CN" altLang="en-US" sz="1600">
+            <a:endParaRPr lang="zh-CN" altLang="en-US" sz="1600" dirty="0">
               <a:solidFill>
                 <a:schemeClr val="tx1">
                   <a:lumMod val="65000"/>
@@ -3745,7 +3734,7 @@
           <p:cNvPr id="4" name="标题 3">
             <a:extLst>
               <a:ext uri="{FF2B5EF4-FFF2-40B4-BE49-F238E27FC236}">
-                <a16:creationId xmlns:a16="http://schemas.microsoft.com/office/drawing/2014/main" xmlns="" id="{5DCC7AE5-7EF9-4964-8408-F84B72D5D253}"/>
+                <a16:creationId xmlns:a16="http://schemas.microsoft.com/office/drawing/2014/main" id="{5DCC7AE5-7EF9-4964-8408-F84B72D5D253}"/>
               </a:ext>
             </a:extLst>
           </p:cNvPr>
@@ -3810,7 +3799,7 @@
               <a:buChar char="n"/>
             </a:pPr>
             <a:r>
-              <a:rPr lang="en-US" altLang="zh-CN" sz="1600">
+              <a:rPr lang="en-US" altLang="zh-CN" sz="1600" dirty="0">
                 <a:solidFill>
                   <a:srgbClr val="000000"/>
                 </a:solidFill>
@@ -3828,7 +3817,7 @@
               <a:buChar char="p"/>
             </a:pPr>
             <a:r>
-              <a:rPr lang="en-US" altLang="zh-CN" sz="1600">
+              <a:rPr lang="en-US" altLang="zh-CN" sz="1600" dirty="0">
                 <a:solidFill>
                   <a:schemeClr val="tx1">
                     <a:lumMod val="65000"/>
@@ -3841,7 +3830,7 @@
               <a:t>0</a:t>
             </a:r>
             <a:r>
-              <a:rPr lang="zh-CN" altLang="en-US" sz="1600">
+              <a:rPr lang="zh-CN" altLang="en-US" sz="1600" dirty="0">
                 <a:solidFill>
                   <a:schemeClr val="tx1">
                     <a:lumMod val="65000"/>
@@ -3854,7 +3843,7 @@
               <a:t>，代表普通的指针，存储着</a:t>
             </a:r>
             <a:r>
-              <a:rPr lang="en-US" altLang="zh-CN" sz="1600">
+              <a:rPr lang="en-US" altLang="zh-CN" sz="1600" dirty="0">
                 <a:solidFill>
                   <a:schemeClr val="tx1">
                     <a:lumMod val="65000"/>
@@ -3867,7 +3856,7 @@
               <a:t>Class</a:t>
             </a:r>
             <a:r>
-              <a:rPr lang="zh-CN" altLang="en-US" sz="1600">
+              <a:rPr lang="zh-CN" altLang="en-US" sz="1600" dirty="0">
                 <a:solidFill>
                   <a:schemeClr val="tx1">
                     <a:lumMod val="65000"/>
@@ -3880,7 +3869,7 @@
               <a:t>、</a:t>
             </a:r>
             <a:r>
-              <a:rPr lang="en-US" altLang="zh-CN" sz="1600">
+              <a:rPr lang="en-US" altLang="zh-CN" sz="1600" dirty="0">
                 <a:solidFill>
                   <a:schemeClr val="tx1">
                     <a:lumMod val="65000"/>
@@ -3893,7 +3882,7 @@
               <a:t>Meta-Class</a:t>
             </a:r>
             <a:r>
-              <a:rPr lang="zh-CN" altLang="en-US" sz="1600">
+              <a:rPr lang="zh-CN" altLang="en-US" sz="1600" dirty="0">
                 <a:solidFill>
                   <a:schemeClr val="tx1">
                     <a:lumMod val="65000"/>
@@ -3905,7 +3894,7 @@
               </a:rPr>
               <a:t>对象的内存地址</a:t>
             </a:r>
-            <a:endParaRPr lang="en-US" altLang="zh-CN" sz="1600">
+            <a:endParaRPr lang="en-US" altLang="zh-CN" sz="1600" dirty="0">
               <a:solidFill>
                 <a:schemeClr val="tx1">
                   <a:lumMod val="65000"/>
@@ -3925,7 +3914,7 @@
               <a:buChar char="p"/>
             </a:pPr>
             <a:r>
-              <a:rPr lang="en-US" altLang="zh-CN" sz="1600">
+              <a:rPr lang="en-US" altLang="zh-CN" sz="1600" dirty="0">
                 <a:solidFill>
                   <a:schemeClr val="tx1">
                     <a:lumMod val="65000"/>
@@ -3938,7 +3927,7 @@
               <a:t>1</a:t>
             </a:r>
             <a:r>
-              <a:rPr lang="zh-CN" altLang="en-US" sz="1600">
+              <a:rPr lang="zh-CN" altLang="en-US" sz="1600" dirty="0">
                 <a:solidFill>
                   <a:schemeClr val="tx1">
                     <a:lumMod val="65000"/>
@@ -3950,7 +3939,7 @@
               </a:rPr>
               <a:t>，代表优化过，使用位域存储更多的信息</a:t>
             </a:r>
-            <a:endParaRPr lang="en-US" altLang="zh-CN" sz="1600">
+            <a:endParaRPr lang="en-US" altLang="zh-CN" sz="1600" dirty="0">
               <a:solidFill>
                 <a:schemeClr val="tx1">
                   <a:lumMod val="65000"/>
@@ -3969,7 +3958,7 @@
               <a:buFont typeface="Wingdings" charset="2"/>
               <a:buChar char="p"/>
             </a:pPr>
-            <a:endParaRPr lang="en-US" altLang="zh-CN" sz="1600">
+            <a:endParaRPr lang="en-US" altLang="zh-CN" sz="1600" dirty="0">
               <a:solidFill>
                 <a:schemeClr val="tx1">
                   <a:lumMod val="65000"/>
@@ -3989,7 +3978,7 @@
               <a:buChar char="n"/>
             </a:pPr>
             <a:r>
-              <a:rPr lang="en-US" altLang="zh-CN" sz="1600">
+              <a:rPr lang="en-US" altLang="zh-CN" sz="1600" dirty="0" err="1">
                 <a:solidFill>
                   <a:srgbClr val="000000"/>
                 </a:solidFill>
@@ -3997,7 +3986,7 @@
               </a:rPr>
               <a:t>has_assoc</a:t>
             </a:r>
-            <a:endParaRPr lang="en-US" altLang="zh-CN" sz="1600">
+            <a:endParaRPr lang="en-US" altLang="zh-CN" sz="1600" dirty="0">
               <a:solidFill>
                 <a:schemeClr val="tx1">
                   <a:lumMod val="65000"/>
@@ -4017,7 +4006,7 @@
               <a:buChar char="p"/>
             </a:pPr>
             <a:r>
-              <a:rPr lang="zh-CN" altLang="en-US" sz="1600">
+              <a:rPr lang="zh-CN" altLang="en-US" sz="1600" dirty="0">
                 <a:solidFill>
                   <a:schemeClr val="tx1">
                     <a:lumMod val="65000"/>
@@ -4029,7 +4018,7 @@
               </a:rPr>
               <a:t>是否有设置过关联对象，如果没有，释放时会更快</a:t>
             </a:r>
-            <a:endParaRPr lang="en-US" altLang="zh-CN" sz="1600">
+            <a:endParaRPr lang="en-US" altLang="zh-CN" sz="1600" dirty="0">
               <a:solidFill>
                 <a:schemeClr val="tx1">
                   <a:lumMod val="65000"/>
@@ -4048,7 +4037,7 @@
               <a:buFont typeface="Wingdings" charset="2"/>
               <a:buChar char="p"/>
             </a:pPr>
-            <a:endParaRPr lang="en-US" altLang="zh-CN" sz="1600">
+            <a:endParaRPr lang="en-US" altLang="zh-CN" sz="1600" dirty="0">
               <a:solidFill>
                 <a:schemeClr val="tx1">
                   <a:lumMod val="65000"/>
@@ -4068,7 +4057,7 @@
               <a:buChar char="n"/>
             </a:pPr>
             <a:r>
-              <a:rPr lang="en-US" altLang="zh-CN" sz="1600">
+              <a:rPr lang="en-US" altLang="zh-CN" sz="1600" dirty="0" err="1">
                 <a:solidFill>
                   <a:srgbClr val="000000"/>
                 </a:solidFill>
@@ -4076,7 +4065,7 @@
               </a:rPr>
               <a:t>has_cxx_dtor</a:t>
             </a:r>
-            <a:endParaRPr lang="en-US" altLang="zh-CN" sz="1600">
+            <a:endParaRPr lang="en-US" altLang="zh-CN" sz="1600" dirty="0">
               <a:solidFill>
                 <a:schemeClr val="tx1">
                   <a:lumMod val="65000"/>
@@ -4096,7 +4085,7 @@
               <a:buChar char="p"/>
             </a:pPr>
             <a:r>
-              <a:rPr lang="zh-CN" altLang="en-US" sz="1600">
+              <a:rPr lang="zh-CN" altLang="en-US" sz="1600" dirty="0">
                 <a:solidFill>
                   <a:schemeClr val="tx1">
                     <a:lumMod val="65000"/>
@@ -4109,7 +4098,7 @@
               <a:t>是否有</a:t>
             </a:r>
             <a:r>
-              <a:rPr lang="en-US" altLang="zh-CN" sz="1600">
+              <a:rPr lang="en-US" altLang="zh-CN" sz="1600" dirty="0">
                 <a:solidFill>
                   <a:schemeClr val="tx1">
                     <a:lumMod val="65000"/>
@@ -4122,7 +4111,7 @@
               <a:t>C++</a:t>
             </a:r>
             <a:r>
-              <a:rPr lang="zh-CN" altLang="en-US" sz="1600">
+              <a:rPr lang="zh-CN" altLang="en-US" sz="1600" dirty="0">
                 <a:solidFill>
                   <a:schemeClr val="tx1">
                     <a:lumMod val="65000"/>
@@ -4135,7 +4124,7 @@
               <a:t>的析构函数（</a:t>
             </a:r>
             <a:r>
-              <a:rPr lang="en-US" altLang="zh-CN" sz="1600">
+              <a:rPr lang="en-US" altLang="zh-CN" sz="1600" dirty="0">
                 <a:solidFill>
                   <a:schemeClr val="tx1">
                     <a:lumMod val="65000"/>
@@ -4145,10 +4134,10 @@
                 <a:latin typeface="微软雅黑" panose="020B0503020204020204" pitchFamily="34" charset="-122"/>
                 <a:ea typeface="微软雅黑" panose="020B0503020204020204" pitchFamily="34" charset="-122"/>
               </a:rPr>
-              <a:t>.cxx_destruct</a:t>
-            </a:r>
-            <a:r>
-              <a:rPr lang="zh-CN" altLang="en-US" sz="1600">
+              <a:t>.</a:t>
+            </a:r>
+            <a:r>
+              <a:rPr lang="en-US" altLang="zh-CN" sz="1600" dirty="0" err="1">
                 <a:solidFill>
                   <a:schemeClr val="tx1">
                     <a:lumMod val="65000"/>
@@ -4158,9 +4147,22 @@
                 <a:latin typeface="微软雅黑" panose="020B0503020204020204" pitchFamily="34" charset="-122"/>
                 <a:ea typeface="微软雅黑" panose="020B0503020204020204" pitchFamily="34" charset="-122"/>
               </a:rPr>
+              <a:t>cxx_destruct</a:t>
+            </a:r>
+            <a:r>
+              <a:rPr lang="zh-CN" altLang="en-US" sz="1600" dirty="0">
+                <a:solidFill>
+                  <a:schemeClr val="tx1">
+                    <a:lumMod val="65000"/>
+                    <a:lumOff val="35000"/>
+                  </a:schemeClr>
+                </a:solidFill>
+                <a:latin typeface="微软雅黑" panose="020B0503020204020204" pitchFamily="34" charset="-122"/>
+                <a:ea typeface="微软雅黑" panose="020B0503020204020204" pitchFamily="34" charset="-122"/>
+              </a:rPr>
               <a:t>），如果没有，释放时会更快</a:t>
             </a:r>
-            <a:endParaRPr lang="en-US" altLang="zh-CN" sz="1600">
+            <a:endParaRPr lang="en-US" altLang="zh-CN" sz="1600" dirty="0">
               <a:solidFill>
                 <a:schemeClr val="tx1">
                   <a:lumMod val="65000"/>
@@ -4179,7 +4181,7 @@
               <a:buFont typeface="Wingdings" charset="2"/>
               <a:buChar char="p"/>
             </a:pPr>
-            <a:endParaRPr lang="en-US" altLang="zh-CN" sz="1600">
+            <a:endParaRPr lang="en-US" altLang="zh-CN" sz="1600" dirty="0">
               <a:solidFill>
                 <a:schemeClr val="tx1">
                   <a:lumMod val="65000"/>
@@ -4199,7 +4201,7 @@
               <a:buChar char="n"/>
             </a:pPr>
             <a:r>
-              <a:rPr lang="en-US" altLang="zh-CN" sz="1600">
+              <a:rPr lang="en-US" altLang="zh-CN" sz="1600" dirty="0" err="1">
                 <a:solidFill>
                   <a:srgbClr val="000000"/>
                 </a:solidFill>
@@ -4207,7 +4209,7 @@
               </a:rPr>
               <a:t>shiftcls</a:t>
             </a:r>
-            <a:endParaRPr lang="en-US" altLang="zh-CN" sz="1600">
+            <a:endParaRPr lang="en-US" altLang="zh-CN" sz="1600" dirty="0">
               <a:solidFill>
                 <a:schemeClr val="tx1">
                   <a:lumMod val="65000"/>
@@ -4227,7 +4229,7 @@
               <a:buChar char="p"/>
             </a:pPr>
             <a:r>
-              <a:rPr lang="zh-CN" altLang="en-US" sz="1600">
+              <a:rPr lang="zh-CN" altLang="en-US" sz="1600" dirty="0">
                 <a:solidFill>
                   <a:schemeClr val="tx1">
                     <a:lumMod val="65000"/>
@@ -4240,7 +4242,7 @@
               <a:t>存储着</a:t>
             </a:r>
             <a:r>
-              <a:rPr lang="en-US" altLang="zh-CN" sz="1600">
+              <a:rPr lang="en-US" altLang="zh-CN" sz="1600" dirty="0">
                 <a:solidFill>
                   <a:schemeClr val="tx1">
                     <a:lumMod val="65000"/>
@@ -4253,7 +4255,7 @@
               <a:t>Class</a:t>
             </a:r>
             <a:r>
-              <a:rPr lang="zh-CN" altLang="en-US" sz="1600">
+              <a:rPr lang="zh-CN" altLang="en-US" sz="1600" dirty="0">
                 <a:solidFill>
                   <a:schemeClr val="tx1">
                     <a:lumMod val="65000"/>
@@ -4266,7 +4268,7 @@
               <a:t>、</a:t>
             </a:r>
             <a:r>
-              <a:rPr lang="en-US" altLang="zh-CN" sz="1600">
+              <a:rPr lang="en-US" altLang="zh-CN" sz="1600" dirty="0">
                 <a:solidFill>
                   <a:schemeClr val="tx1">
                     <a:lumMod val="65000"/>
@@ -4279,7 +4281,7 @@
               <a:t>Meta-Class</a:t>
             </a:r>
             <a:r>
-              <a:rPr lang="zh-CN" altLang="en-US" sz="1600">
+              <a:rPr lang="zh-CN" altLang="en-US" sz="1600" dirty="0">
                 <a:solidFill>
                   <a:schemeClr val="tx1">
                     <a:lumMod val="65000"/>
@@ -4291,7 +4293,7 @@
               </a:rPr>
               <a:t>对象的内存地址信息</a:t>
             </a:r>
-            <a:endParaRPr lang="en-US" altLang="zh-CN" sz="1600">
+            <a:endParaRPr lang="en-US" altLang="zh-CN" sz="1600" dirty="0">
               <a:solidFill>
                 <a:schemeClr val="tx1">
                   <a:lumMod val="65000"/>
@@ -4310,7 +4312,7 @@
               <a:buFont typeface="Wingdings" charset="2"/>
               <a:buChar char="p"/>
             </a:pPr>
-            <a:endParaRPr lang="en-US" altLang="zh-CN" sz="1600">
+            <a:endParaRPr lang="en-US" altLang="zh-CN" sz="1600" dirty="0">
               <a:solidFill>
                 <a:schemeClr val="tx1">
                   <a:lumMod val="65000"/>
@@ -4330,7 +4332,7 @@
               <a:buChar char="n"/>
             </a:pPr>
             <a:r>
-              <a:rPr lang="en-US" altLang="zh-CN" sz="1600">
+              <a:rPr lang="en-US" altLang="zh-CN" sz="1600" dirty="0">
                 <a:solidFill>
                   <a:srgbClr val="000000"/>
                 </a:solidFill>
@@ -4338,7 +4340,7 @@
               </a:rPr>
               <a:t>magic</a:t>
             </a:r>
-            <a:endParaRPr lang="en-US" altLang="zh-CN" sz="1600">
+            <a:endParaRPr lang="en-US" altLang="zh-CN" sz="1600" dirty="0">
               <a:solidFill>
                 <a:schemeClr val="tx1">
                   <a:lumMod val="65000"/>
@@ -4358,7 +4360,7 @@
               <a:buChar char="p"/>
             </a:pPr>
             <a:r>
-              <a:rPr lang="zh-CN" altLang="en-US" sz="1600">
+              <a:rPr lang="zh-CN" altLang="en-US" sz="1600" dirty="0">
                 <a:solidFill>
                   <a:schemeClr val="tx1">
                     <a:lumMod val="65000"/>
@@ -4370,7 +4372,7 @@
               </a:rPr>
               <a:t>用于在调试时分辨对象是否未完成初始化</a:t>
             </a:r>
-            <a:endParaRPr lang="en-US" altLang="zh-CN" sz="1600">
+            <a:endParaRPr lang="en-US" altLang="zh-CN" sz="1600" dirty="0">
               <a:solidFill>
                 <a:schemeClr val="tx1">
                   <a:lumMod val="65000"/>
@@ -4389,7 +4391,7 @@
               <a:buFont typeface="Wingdings" charset="2"/>
               <a:buChar char="n"/>
             </a:pPr>
-            <a:endParaRPr lang="en-US" altLang="zh-CN" sz="1600">
+            <a:endParaRPr lang="en-US" altLang="zh-CN" sz="1600" dirty="0">
               <a:solidFill>
                 <a:schemeClr val="tx1">
                   <a:lumMod val="65000"/>
@@ -4409,7 +4411,7 @@
               <a:buChar char="n"/>
             </a:pPr>
             <a:r>
-              <a:rPr lang="en-US" altLang="zh-CN" sz="1600">
+              <a:rPr lang="en-US" altLang="zh-CN" sz="1600" dirty="0" err="1">
                 <a:solidFill>
                   <a:srgbClr val="000000"/>
                 </a:solidFill>
@@ -4417,7 +4419,7 @@
               </a:rPr>
               <a:t>weakly_referenced</a:t>
             </a:r>
-            <a:endParaRPr lang="en-US" altLang="zh-CN" sz="1600">
+            <a:endParaRPr lang="en-US" altLang="zh-CN" sz="1600" dirty="0">
               <a:solidFill>
                 <a:schemeClr val="tx1">
                   <a:lumMod val="65000"/>
@@ -4437,7 +4439,7 @@
               <a:buChar char="p"/>
             </a:pPr>
             <a:r>
-              <a:rPr lang="zh-CN" altLang="en-US" sz="1600">
+              <a:rPr lang="zh-CN" altLang="en-US" sz="1600" dirty="0">
                 <a:solidFill>
                   <a:schemeClr val="tx1">
                     <a:lumMod val="65000"/>
@@ -4449,7 +4451,7 @@
               </a:rPr>
               <a:t>是否有被弱引用指向过，如果没有，释放时会更快</a:t>
             </a:r>
-            <a:endParaRPr lang="en-US" altLang="zh-CN" sz="1600">
+            <a:endParaRPr lang="en-US" altLang="zh-CN" sz="1600" dirty="0">
               <a:solidFill>
                 <a:schemeClr val="tx1">
                   <a:lumMod val="65000"/>
@@ -4468,7 +4470,7 @@
               <a:buFont typeface="Wingdings" charset="2"/>
               <a:buChar char="n"/>
             </a:pPr>
-            <a:endParaRPr lang="zh-CN" altLang="en-US" sz="1600">
+            <a:endParaRPr lang="zh-CN" altLang="en-US" sz="1600" dirty="0">
               <a:solidFill>
                 <a:schemeClr val="tx1">
                   <a:lumMod val="65000"/>
@@ -6080,7 +6082,7 @@
           <p:cNvPr id="4" name="标题 3">
             <a:extLst>
               <a:ext uri="{FF2B5EF4-FFF2-40B4-BE49-F238E27FC236}">
-                <a16:creationId xmlns:a16="http://schemas.microsoft.com/office/drawing/2014/main" xmlns="" id="{5DCC7AE5-7EF9-4964-8408-F84B72D5D253}"/>
+                <a16:creationId xmlns:a16="http://schemas.microsoft.com/office/drawing/2014/main" id="{5DCC7AE5-7EF9-4964-8408-F84B72D5D253}"/>
               </a:ext>
             </a:extLst>
           </p:cNvPr>
@@ -6123,7 +6125,7 @@
         </p:blipFill>
         <p:spPr>
           <a:xfrm>
-            <a:off x="288222" y="1206579"/>
+            <a:off x="330941" y="1212679"/>
             <a:ext cx="6083300" cy="1828800"/>
           </a:xfrm>
           <a:prstGeom prst="rect">
@@ -6213,21 +6215,21 @@
               <a:defRPr/>
             </a:pPr>
             <a:r>
-              <a:rPr lang="en-US" altLang="zh-CN" sz="1600">
+              <a:rPr lang="en-US" altLang="zh-CN" sz="1600" dirty="0">
                 <a:latin typeface="微软雅黑" panose="020B0503020204020204" pitchFamily="34" charset="-122"/>
                 <a:ea typeface="微软雅黑" panose="020B0503020204020204" pitchFamily="34" charset="-122"/>
               </a:rPr>
               <a:t>&amp;</a:t>
             </a:r>
             <a:r>
-              <a:rPr lang="zh-CN" altLang="en-US" sz="1600">
+              <a:rPr lang="zh-CN" altLang="en-US" sz="1600" dirty="0">
                 <a:latin typeface="微软雅黑" panose="020B0503020204020204" pitchFamily="34" charset="-122"/>
                 <a:ea typeface="微软雅黑" panose="020B0503020204020204" pitchFamily="34" charset="-122"/>
               </a:rPr>
               <a:t> </a:t>
             </a:r>
             <a:r>
-              <a:rPr lang="en-US" altLang="zh-CN" sz="1600">
+              <a:rPr lang="en-US" altLang="zh-CN" sz="1600" dirty="0">
                 <a:latin typeface="微软雅黑" panose="020B0503020204020204" pitchFamily="34" charset="-122"/>
                 <a:ea typeface="微软雅黑" panose="020B0503020204020204" pitchFamily="34" charset="-122"/>
               </a:rPr>
@@ -6682,7 +6684,7 @@
           <p:cNvPr id="4" name="标题 3">
             <a:extLst>
               <a:ext uri="{FF2B5EF4-FFF2-40B4-BE49-F238E27FC236}">
-                <a16:creationId xmlns:a16="http://schemas.microsoft.com/office/drawing/2014/main" xmlns="" id="{5DCC7AE5-7EF9-4964-8408-F84B72D5D253}"/>
+                <a16:creationId xmlns:a16="http://schemas.microsoft.com/office/drawing/2014/main" id="{5DCC7AE5-7EF9-4964-8408-F84B72D5D253}"/>
               </a:ext>
             </a:extLst>
           </p:cNvPr>
@@ -6959,9 +6961,27 @@
                 <a:tableStyleId>{5940675A-B579-460E-94D1-54222C63F5DA}</a:tableStyleId>
               </a:tblPr>
               <a:tblGrid>
-                <a:gridCol w="1537970"/>
-                <a:gridCol w="1537970"/>
-                <a:gridCol w="1537970"/>
+                <a:gridCol w="1537970">
+                  <a:extLst>
+                    <a:ext uri="{9D8B030D-6E8A-4147-A177-3AD203B41FA5}">
+                      <a16:colId xmlns:a16="http://schemas.microsoft.com/office/drawing/2014/main" val="20000"/>
+                    </a:ext>
+                  </a:extLst>
+                </a:gridCol>
+                <a:gridCol w="1537970">
+                  <a:extLst>
+                    <a:ext uri="{9D8B030D-6E8A-4147-A177-3AD203B41FA5}">
+                      <a16:colId xmlns:a16="http://schemas.microsoft.com/office/drawing/2014/main" val="20001"/>
+                    </a:ext>
+                  </a:extLst>
+                </a:gridCol>
+                <a:gridCol w="1537970">
+                  <a:extLst>
+                    <a:ext uri="{9D8B030D-6E8A-4147-A177-3AD203B41FA5}">
+                      <a16:colId xmlns:a16="http://schemas.microsoft.com/office/drawing/2014/main" val="20002"/>
+                    </a:ext>
+                  </a:extLst>
+                </a:gridCol>
               </a:tblGrid>
               <a:tr h="370840">
                 <a:tc>
@@ -7009,6 +7029,11 @@
                   </a:txBody>
                   <a:tcPr anchor="ctr"/>
                 </a:tc>
+                <a:extLst>
+                  <a:ext uri="{0D108BD9-81ED-4DB2-BD59-A6C34878D82A}">
+                    <a16:rowId xmlns:a16="http://schemas.microsoft.com/office/drawing/2014/main" val="10000"/>
+                  </a:ext>
+                </a:extLst>
               </a:tr>
             </a:tbl>
           </a:graphicData>
@@ -7039,7 +7064,13 @@
                 <a:tableStyleId>{5940675A-B579-460E-94D1-54222C63F5DA}</a:tableStyleId>
               </a:tblPr>
               <a:tblGrid>
-                <a:gridCol w="1215135"/>
+                <a:gridCol w="1215135">
+                  <a:extLst>
+                    <a:ext uri="{9D8B030D-6E8A-4147-A177-3AD203B41FA5}">
+                      <a16:colId xmlns:a16="http://schemas.microsoft.com/office/drawing/2014/main" val="20000"/>
+                    </a:ext>
+                  </a:extLst>
+                </a:gridCol>
               </a:tblGrid>
               <a:tr h="370840">
                 <a:tc>
@@ -7057,6 +7088,11 @@
                   </a:txBody>
                   <a:tcPr anchor="ctr"/>
                 </a:tc>
+                <a:extLst>
+                  <a:ext uri="{0D108BD9-81ED-4DB2-BD59-A6C34878D82A}">
+                    <a16:rowId xmlns:a16="http://schemas.microsoft.com/office/drawing/2014/main" val="10000"/>
+                  </a:ext>
+                </a:extLst>
               </a:tr>
               <a:tr h="370840">
                 <a:tc>
@@ -7074,6 +7110,11 @@
                   </a:txBody>
                   <a:tcPr anchor="ctr"/>
                 </a:tc>
+                <a:extLst>
+                  <a:ext uri="{0D108BD9-81ED-4DB2-BD59-A6C34878D82A}">
+                    <a16:rowId xmlns:a16="http://schemas.microsoft.com/office/drawing/2014/main" val="10001"/>
+                  </a:ext>
+                </a:extLst>
               </a:tr>
               <a:tr h="370840">
                 <a:tc>
@@ -7091,6 +7132,11 @@
                   </a:txBody>
                   <a:tcPr anchor="ctr"/>
                 </a:tc>
+                <a:extLst>
+                  <a:ext uri="{0D108BD9-81ED-4DB2-BD59-A6C34878D82A}">
+                    <a16:rowId xmlns:a16="http://schemas.microsoft.com/office/drawing/2014/main" val="10002"/>
+                  </a:ext>
+                </a:extLst>
               </a:tr>
             </a:tbl>
           </a:graphicData>
@@ -7121,7 +7167,13 @@
                 <a:tableStyleId>{5940675A-B579-460E-94D1-54222C63F5DA}</a:tableStyleId>
               </a:tblPr>
               <a:tblGrid>
-                <a:gridCol w="1215135"/>
+                <a:gridCol w="1215135">
+                  <a:extLst>
+                    <a:ext uri="{9D8B030D-6E8A-4147-A177-3AD203B41FA5}">
+                      <a16:colId xmlns:a16="http://schemas.microsoft.com/office/drawing/2014/main" val="20000"/>
+                    </a:ext>
+                  </a:extLst>
+                </a:gridCol>
               </a:tblGrid>
               <a:tr h="370840">
                 <a:tc>
@@ -7139,6 +7191,11 @@
                   </a:txBody>
                   <a:tcPr anchor="ctr"/>
                 </a:tc>
+                <a:extLst>
+                  <a:ext uri="{0D108BD9-81ED-4DB2-BD59-A6C34878D82A}">
+                    <a16:rowId xmlns:a16="http://schemas.microsoft.com/office/drawing/2014/main" val="10000"/>
+                  </a:ext>
+                </a:extLst>
               </a:tr>
               <a:tr h="370840">
                 <a:tc>
@@ -7156,6 +7213,11 @@
                   </a:txBody>
                   <a:tcPr anchor="ctr"/>
                 </a:tc>
+                <a:extLst>
+                  <a:ext uri="{0D108BD9-81ED-4DB2-BD59-A6C34878D82A}">
+                    <a16:rowId xmlns:a16="http://schemas.microsoft.com/office/drawing/2014/main" val="10001"/>
+                  </a:ext>
+                </a:extLst>
               </a:tr>
               <a:tr h="370840">
                 <a:tc>
@@ -7173,6 +7235,11 @@
                   </a:txBody>
                   <a:tcPr anchor="ctr"/>
                 </a:tc>
+                <a:extLst>
+                  <a:ext uri="{0D108BD9-81ED-4DB2-BD59-A6C34878D82A}">
+                    <a16:rowId xmlns:a16="http://schemas.microsoft.com/office/drawing/2014/main" val="10002"/>
+                  </a:ext>
+                </a:extLst>
               </a:tr>
             </a:tbl>
           </a:graphicData>
@@ -7203,7 +7270,13 @@
                 <a:tableStyleId>{5940675A-B579-460E-94D1-54222C63F5DA}</a:tableStyleId>
               </a:tblPr>
               <a:tblGrid>
-                <a:gridCol w="1215135"/>
+                <a:gridCol w="1215135">
+                  <a:extLst>
+                    <a:ext uri="{9D8B030D-6E8A-4147-A177-3AD203B41FA5}">
+                      <a16:colId xmlns:a16="http://schemas.microsoft.com/office/drawing/2014/main" val="20000"/>
+                    </a:ext>
+                  </a:extLst>
+                </a:gridCol>
               </a:tblGrid>
               <a:tr h="370840">
                 <a:tc>
@@ -7221,6 +7294,11 @@
                   </a:txBody>
                   <a:tcPr anchor="ctr"/>
                 </a:tc>
+                <a:extLst>
+                  <a:ext uri="{0D108BD9-81ED-4DB2-BD59-A6C34878D82A}">
+                    <a16:rowId xmlns:a16="http://schemas.microsoft.com/office/drawing/2014/main" val="10000"/>
+                  </a:ext>
+                </a:extLst>
               </a:tr>
               <a:tr h="370840">
                 <a:tc>
@@ -7238,6 +7316,11 @@
                   </a:txBody>
                   <a:tcPr anchor="ctr"/>
                 </a:tc>
+                <a:extLst>
+                  <a:ext uri="{0D108BD9-81ED-4DB2-BD59-A6C34878D82A}">
+                    <a16:rowId xmlns:a16="http://schemas.microsoft.com/office/drawing/2014/main" val="10001"/>
+                  </a:ext>
+                </a:extLst>
               </a:tr>
               <a:tr h="370840">
                 <a:tc>
@@ -7255,6 +7338,11 @@
                   </a:txBody>
                   <a:tcPr anchor="ctr"/>
                 </a:tc>
+                <a:extLst>
+                  <a:ext uri="{0D108BD9-81ED-4DB2-BD59-A6C34878D82A}">
+                    <a16:rowId xmlns:a16="http://schemas.microsoft.com/office/drawing/2014/main" val="10002"/>
+                  </a:ext>
+                </a:extLst>
               </a:tr>
             </a:tbl>
           </a:graphicData>
@@ -7905,7 +7993,7 @@
           <p:cNvPr id="4" name="标题 3">
             <a:extLst>
               <a:ext uri="{FF2B5EF4-FFF2-40B4-BE49-F238E27FC236}">
-                <a16:creationId xmlns:a16="http://schemas.microsoft.com/office/drawing/2014/main" xmlns="" id="{5DCC7AE5-7EF9-4964-8408-F84B72D5D253}"/>
+                <a16:creationId xmlns:a16="http://schemas.microsoft.com/office/drawing/2014/main" id="{5DCC7AE5-7EF9-4964-8408-F84B72D5D253}"/>
               </a:ext>
             </a:extLst>
           </p:cNvPr>
@@ -8112,7 +8200,13 @@
                 <a:tableStyleId>{5940675A-B579-460E-94D1-54222C63F5DA}</a:tableStyleId>
               </a:tblPr>
               <a:tblGrid>
-                <a:gridCol w="1215135"/>
+                <a:gridCol w="1215135">
+                  <a:extLst>
+                    <a:ext uri="{9D8B030D-6E8A-4147-A177-3AD203B41FA5}">
+                      <a16:colId xmlns:a16="http://schemas.microsoft.com/office/drawing/2014/main" val="20000"/>
+                    </a:ext>
+                  </a:extLst>
+                </a:gridCol>
               </a:tblGrid>
               <a:tr h="370840">
                 <a:tc>
@@ -8122,14 +8216,19 @@
                     <a:p>
                       <a:pPr algn="ctr"/>
                       <a:r>
-                        <a:rPr lang="en-US" altLang="zh-CN"/>
+                        <a:rPr lang="en-US" altLang="zh-CN" dirty="0" err="1"/>
                         <a:t>method_t</a:t>
                       </a:r>
-                      <a:endParaRPr lang="zh-CN" altLang="en-US"/>
+                      <a:endParaRPr lang="zh-CN" altLang="en-US" dirty="0"/>
                     </a:p>
                   </a:txBody>
                   <a:tcPr anchor="ctr"/>
                 </a:tc>
+                <a:extLst>
+                  <a:ext uri="{0D108BD9-81ED-4DB2-BD59-A6C34878D82A}">
+                    <a16:rowId xmlns:a16="http://schemas.microsoft.com/office/drawing/2014/main" val="10000"/>
+                  </a:ext>
+                </a:extLst>
               </a:tr>
               <a:tr h="370840">
                 <a:tc>
@@ -8147,6 +8246,11 @@
                   </a:txBody>
                   <a:tcPr anchor="ctr"/>
                 </a:tc>
+                <a:extLst>
+                  <a:ext uri="{0D108BD9-81ED-4DB2-BD59-A6C34878D82A}">
+                    <a16:rowId xmlns:a16="http://schemas.microsoft.com/office/drawing/2014/main" val="10001"/>
+                  </a:ext>
+                </a:extLst>
               </a:tr>
               <a:tr h="370840">
                 <a:tc>
@@ -8156,14 +8260,19 @@
                     <a:p>
                       <a:pPr algn="ctr"/>
                       <a:r>
-                        <a:rPr lang="en-US" altLang="zh-CN"/>
+                        <a:rPr lang="en-US" altLang="zh-CN" dirty="0"/>
                         <a:t>......</a:t>
                       </a:r>
-                      <a:endParaRPr lang="zh-CN" altLang="en-US"/>
+                      <a:endParaRPr lang="zh-CN" altLang="en-US" dirty="0"/>
                     </a:p>
                   </a:txBody>
                   <a:tcPr anchor="ctr"/>
                 </a:tc>
+                <a:extLst>
+                  <a:ext uri="{0D108BD9-81ED-4DB2-BD59-A6C34878D82A}">
+                    <a16:rowId xmlns:a16="http://schemas.microsoft.com/office/drawing/2014/main" val="10002"/>
+                  </a:ext>
+                </a:extLst>
               </a:tr>
             </a:tbl>
           </a:graphicData>
@@ -8497,7 +8606,7 @@
           <p:cNvPr id="4" name="标题 3">
             <a:extLst>
               <a:ext uri="{FF2B5EF4-FFF2-40B4-BE49-F238E27FC236}">
-                <a16:creationId xmlns:a16="http://schemas.microsoft.com/office/drawing/2014/main" xmlns="" id="{5DCC7AE5-7EF9-4964-8408-F84B72D5D253}"/>
+                <a16:creationId xmlns:a16="http://schemas.microsoft.com/office/drawing/2014/main" id="{5DCC7AE5-7EF9-4964-8408-F84B72D5D253}"/>
               </a:ext>
             </a:extLst>
           </p:cNvPr>
@@ -9111,11 +9220,41 @@
                 <a:tableStyleId>{5940675A-B579-460E-94D1-54222C63F5DA}</a:tableStyleId>
               </a:tblPr>
               <a:tblGrid>
-                <a:gridCol w="1216152"/>
-                <a:gridCol w="1216152"/>
-                <a:gridCol w="1216152"/>
-                <a:gridCol w="1216152"/>
-                <a:gridCol w="1216152"/>
+                <a:gridCol w="1216152">
+                  <a:extLst>
+                    <a:ext uri="{9D8B030D-6E8A-4147-A177-3AD203B41FA5}">
+                      <a16:colId xmlns:a16="http://schemas.microsoft.com/office/drawing/2014/main" val="20000"/>
+                    </a:ext>
+                  </a:extLst>
+                </a:gridCol>
+                <a:gridCol w="1216152">
+                  <a:extLst>
+                    <a:ext uri="{9D8B030D-6E8A-4147-A177-3AD203B41FA5}">
+                      <a16:colId xmlns:a16="http://schemas.microsoft.com/office/drawing/2014/main" val="20001"/>
+                    </a:ext>
+                  </a:extLst>
+                </a:gridCol>
+                <a:gridCol w="1216152">
+                  <a:extLst>
+                    <a:ext uri="{9D8B030D-6E8A-4147-A177-3AD203B41FA5}">
+                      <a16:colId xmlns:a16="http://schemas.microsoft.com/office/drawing/2014/main" val="20002"/>
+                    </a:ext>
+                  </a:extLst>
+                </a:gridCol>
+                <a:gridCol w="1216152">
+                  <a:extLst>
+                    <a:ext uri="{9D8B030D-6E8A-4147-A177-3AD203B41FA5}">
+                      <a16:colId xmlns:a16="http://schemas.microsoft.com/office/drawing/2014/main" val="20003"/>
+                    </a:ext>
+                  </a:extLst>
+                </a:gridCol>
+                <a:gridCol w="1216152">
+                  <a:extLst>
+                    <a:ext uri="{9D8B030D-6E8A-4147-A177-3AD203B41FA5}">
+                      <a16:colId xmlns:a16="http://schemas.microsoft.com/office/drawing/2014/main" val="20004"/>
+                    </a:ext>
+                  </a:extLst>
+                </a:gridCol>
               </a:tblGrid>
               <a:tr h="370840">
                 <a:tc>
@@ -9204,6 +9343,11 @@
                   </a:txBody>
                   <a:tcPr anchor="ctr"/>
                 </a:tc>
+                <a:extLst>
+                  <a:ext uri="{0D108BD9-81ED-4DB2-BD59-A6C34878D82A}">
+                    <a16:rowId xmlns:a16="http://schemas.microsoft.com/office/drawing/2014/main" val="10000"/>
+                  </a:ext>
+                </a:extLst>
               </a:tr>
             </a:tbl>
           </a:graphicData>
@@ -9881,7 +10025,7 @@
           <p:cNvPr id="4" name="标题 3">
             <a:extLst>
               <a:ext uri="{FF2B5EF4-FFF2-40B4-BE49-F238E27FC236}">
-                <a16:creationId xmlns:a16="http://schemas.microsoft.com/office/drawing/2014/main" xmlns="" id="{5DCC7AE5-7EF9-4964-8408-F84B72D5D253}"/>
+                <a16:creationId xmlns:a16="http://schemas.microsoft.com/office/drawing/2014/main" id="{5DCC7AE5-7EF9-4964-8408-F84B72D5D253}"/>
               </a:ext>
             </a:extLst>
           </p:cNvPr>
@@ -9943,7 +10087,7 @@
               <a:buChar char="n"/>
             </a:pPr>
             <a:r>
-              <a:rPr lang="en-US" altLang="zh-CN" sz="1600">
+              <a:rPr lang="en-US" altLang="zh-CN" sz="1600" dirty="0">
                 <a:solidFill>
                   <a:schemeClr val="tx1">
                     <a:lumMod val="65000"/>
@@ -9956,7 +10100,7 @@
               <a:t>iOS</a:t>
             </a:r>
             <a:r>
-              <a:rPr lang="zh-CN" altLang="en-US" sz="1600">
+              <a:rPr lang="zh-CN" altLang="en-US" sz="1600" dirty="0">
                 <a:solidFill>
                   <a:schemeClr val="tx1">
                     <a:lumMod val="65000"/>
@@ -9969,7 +10113,7 @@
               <a:t>中提供了一个叫做</a:t>
             </a:r>
             <a:r>
-              <a:rPr lang="en-US" altLang="zh-CN" sz="1600">
+              <a:rPr lang="en-US" altLang="zh-CN" sz="1600" dirty="0">
                 <a:solidFill>
                   <a:srgbClr val="AA0D91"/>
                 </a:solidFill>
@@ -9978,7 +10122,7 @@
               <a:t>@encode</a:t>
             </a:r>
             <a:r>
-              <a:rPr lang="zh-CN" altLang="en-US" sz="1600">
+              <a:rPr lang="zh-CN" altLang="en-US" sz="1600" dirty="0">
                 <a:solidFill>
                   <a:schemeClr val="tx1">
                     <a:lumMod val="65000"/>
@@ -9990,7 +10134,7 @@
               </a:rPr>
               <a:t>的指令，可以将具体的类型表示成字符串编码</a:t>
             </a:r>
-            <a:endParaRPr lang="en-US" altLang="zh-CN" sz="1600">
+            <a:endParaRPr lang="en-US" altLang="zh-CN" sz="1600" dirty="0">
               <a:solidFill>
                 <a:schemeClr val="tx1">
                   <a:lumMod val="65000"/>
@@ -10009,7 +10153,7 @@
               <a:buFont typeface="Wingdings" charset="2"/>
               <a:buChar char="n"/>
             </a:pPr>
-            <a:endParaRPr lang="en-US" altLang="zh-CN" sz="1600">
+            <a:endParaRPr lang="en-US" altLang="zh-CN" sz="1600" dirty="0">
               <a:solidFill>
                 <a:schemeClr val="tx1">
                   <a:lumMod val="65000"/>
@@ -10028,7 +10172,7 @@
               <a:buFont typeface="Wingdings" charset="2"/>
               <a:buChar char="n"/>
             </a:pPr>
-            <a:endParaRPr lang="zh-CN" altLang="en-US" sz="1600">
+            <a:endParaRPr lang="zh-CN" altLang="en-US" sz="1600" dirty="0">
               <a:solidFill>
                 <a:schemeClr val="tx1">
                   <a:lumMod val="65000"/>
@@ -10310,7 +10454,7 @@
           <p:cNvPr id="4" name="标题 3">
             <a:extLst>
               <a:ext uri="{FF2B5EF4-FFF2-40B4-BE49-F238E27FC236}">
-                <a16:creationId xmlns:a16="http://schemas.microsoft.com/office/drawing/2014/main" xmlns="" id="{5DCC7AE5-7EF9-4964-8408-F84B72D5D253}"/>
+                <a16:creationId xmlns:a16="http://schemas.microsoft.com/office/drawing/2014/main" id="{5DCC7AE5-7EF9-4964-8408-F84B72D5D253}"/>
               </a:ext>
             </a:extLst>
           </p:cNvPr>
@@ -10363,7 +10507,7 @@
               <a:buChar char="n"/>
             </a:pPr>
             <a:r>
-              <a:rPr lang="en-US" altLang="zh-CN" sz="1600">
+              <a:rPr lang="en-US" altLang="zh-CN" sz="1600" dirty="0">
                 <a:solidFill>
                   <a:schemeClr val="tx1">
                     <a:lumMod val="65000"/>
@@ -10376,7 +10520,7 @@
               <a:t>Class</a:t>
             </a:r>
             <a:r>
-              <a:rPr lang="zh-CN" altLang="en-US" sz="1600">
+              <a:rPr lang="zh-CN" altLang="en-US" sz="1600" dirty="0">
                 <a:solidFill>
                   <a:schemeClr val="tx1">
                     <a:lumMod val="65000"/>
@@ -10389,7 +10533,7 @@
               <a:t>内部结构中有个方法缓存（</a:t>
             </a:r>
             <a:r>
-              <a:rPr lang="en-US" altLang="zh-CN" sz="1600">
+              <a:rPr lang="en-US" altLang="zh-CN" sz="1600" dirty="0" err="1">
                 <a:solidFill>
                   <a:srgbClr val="3F6E74"/>
                 </a:solidFill>
@@ -10398,7 +10542,7 @@
               <a:t>cache_t</a:t>
             </a:r>
             <a:r>
-              <a:rPr lang="zh-CN" altLang="en-US" sz="1600">
+              <a:rPr lang="zh-CN" altLang="en-US" sz="1600" dirty="0">
                 <a:solidFill>
                   <a:schemeClr val="tx1">
                     <a:lumMod val="65000"/>
@@ -10411,7 +10555,7 @@
               <a:t>），用</a:t>
             </a:r>
             <a:r>
-              <a:rPr lang="zh-CN" altLang="en-US" sz="1600">
+              <a:rPr lang="zh-CN" altLang="en-US" sz="1600" dirty="0">
                 <a:solidFill>
                   <a:srgbClr val="FF0000"/>
                 </a:solidFill>
@@ -10421,7 +10565,7 @@
               <a:t>散列表（哈希表）</a:t>
             </a:r>
             <a:r>
-              <a:rPr lang="zh-CN" altLang="en-US" sz="1600">
+              <a:rPr lang="zh-CN" altLang="en-US" sz="1600" dirty="0">
                 <a:solidFill>
                   <a:schemeClr val="tx1">
                     <a:lumMod val="65000"/>
@@ -10519,7 +10663,13 @@
                 <a:tableStyleId>{5940675A-B579-460E-94D1-54222C63F5DA}</a:tableStyleId>
               </a:tblPr>
               <a:tblGrid>
-                <a:gridCol w="1215135"/>
+                <a:gridCol w="1215135">
+                  <a:extLst>
+                    <a:ext uri="{9D8B030D-6E8A-4147-A177-3AD203B41FA5}">
+                      <a16:colId xmlns:a16="http://schemas.microsoft.com/office/drawing/2014/main" val="20000"/>
+                    </a:ext>
+                  </a:extLst>
+                </a:gridCol>
               </a:tblGrid>
               <a:tr h="370840">
                 <a:tc>
@@ -10537,6 +10687,11 @@
                   </a:txBody>
                   <a:tcPr anchor="ctr"/>
                 </a:tc>
+                <a:extLst>
+                  <a:ext uri="{0D108BD9-81ED-4DB2-BD59-A6C34878D82A}">
+                    <a16:rowId xmlns:a16="http://schemas.microsoft.com/office/drawing/2014/main" val="10000"/>
+                  </a:ext>
+                </a:extLst>
               </a:tr>
               <a:tr h="370840">
                 <a:tc>
@@ -10554,6 +10709,11 @@
                   </a:txBody>
                   <a:tcPr anchor="ctr"/>
                 </a:tc>
+                <a:extLst>
+                  <a:ext uri="{0D108BD9-81ED-4DB2-BD59-A6C34878D82A}">
+                    <a16:rowId xmlns:a16="http://schemas.microsoft.com/office/drawing/2014/main" val="10001"/>
+                  </a:ext>
+                </a:extLst>
               </a:tr>
               <a:tr h="370840">
                 <a:tc>
@@ -10571,6 +10731,11 @@
                   </a:txBody>
                   <a:tcPr anchor="ctr"/>
                 </a:tc>
+                <a:extLst>
+                  <a:ext uri="{0D108BD9-81ED-4DB2-BD59-A6C34878D82A}">
+                    <a16:rowId xmlns:a16="http://schemas.microsoft.com/office/drawing/2014/main" val="10002"/>
+                  </a:ext>
+                </a:extLst>
               </a:tr>
             </a:tbl>
           </a:graphicData>
@@ -11297,8 +11462,20 @@
                 <a:tableStyleId>{5940675A-B579-460E-94D1-54222C63F5DA}</a:tableStyleId>
               </a:tblPr>
               <a:tblGrid>
-                <a:gridCol w="1718596"/>
-                <a:gridCol w="5080890"/>
+                <a:gridCol w="1718596">
+                  <a:extLst>
+                    <a:ext uri="{9D8B030D-6E8A-4147-A177-3AD203B41FA5}">
+                      <a16:colId xmlns:a16="http://schemas.microsoft.com/office/drawing/2014/main" val="20000"/>
+                    </a:ext>
+                  </a:extLst>
+                </a:gridCol>
+                <a:gridCol w="5080890">
+                  <a:extLst>
+                    <a:ext uri="{9D8B030D-6E8A-4147-A177-3AD203B41FA5}">
+                      <a16:colId xmlns:a16="http://schemas.microsoft.com/office/drawing/2014/main" val="20001"/>
+                    </a:ext>
+                  </a:extLst>
+                </a:gridCol>
               </a:tblGrid>
               <a:tr h="426228">
                 <a:tc>
@@ -11329,6 +11506,11 @@
                   </a:txBody>
                   <a:tcPr/>
                 </a:tc>
+                <a:extLst>
+                  <a:ext uri="{0D108BD9-81ED-4DB2-BD59-A6C34878D82A}">
+                    <a16:rowId xmlns:a16="http://schemas.microsoft.com/office/drawing/2014/main" val="10000"/>
+                  </a:ext>
+                </a:extLst>
               </a:tr>
               <a:tr h="370840">
                 <a:tc>
@@ -11393,6 +11575,11 @@
                   </a:txBody>
                   <a:tcPr/>
                 </a:tc>
+                <a:extLst>
+                  <a:ext uri="{0D108BD9-81ED-4DB2-BD59-A6C34878D82A}">
+                    <a16:rowId xmlns:a16="http://schemas.microsoft.com/office/drawing/2014/main" val="10001"/>
+                  </a:ext>
+                </a:extLst>
               </a:tr>
               <a:tr h="370840">
                 <a:tc>
@@ -11492,6 +11679,11 @@
                   </a:txBody>
                   <a:tcPr/>
                 </a:tc>
+                <a:extLst>
+                  <a:ext uri="{0D108BD9-81ED-4DB2-BD59-A6C34878D82A}">
+                    <a16:rowId xmlns:a16="http://schemas.microsoft.com/office/drawing/2014/main" val="10002"/>
+                  </a:ext>
+                </a:extLst>
               </a:tr>
               <a:tr h="370840">
                 <a:tc>
@@ -11539,6 +11731,11 @@
                   </a:txBody>
                   <a:tcPr/>
                 </a:tc>
+                <a:extLst>
+                  <a:ext uri="{0D108BD9-81ED-4DB2-BD59-A6C34878D82A}">
+                    <a16:rowId xmlns:a16="http://schemas.microsoft.com/office/drawing/2014/main" val="10003"/>
+                  </a:ext>
+                </a:extLst>
               </a:tr>
               <a:tr h="370840">
                 <a:tc>
@@ -11603,6 +11800,11 @@
                   </a:txBody>
                   <a:tcPr/>
                 </a:tc>
+                <a:extLst>
+                  <a:ext uri="{0D108BD9-81ED-4DB2-BD59-A6C34878D82A}">
+                    <a16:rowId xmlns:a16="http://schemas.microsoft.com/office/drawing/2014/main" val="10004"/>
+                  </a:ext>
+                </a:extLst>
               </a:tr>
               <a:tr h="370840">
                 <a:tc>
@@ -11667,6 +11869,11 @@
                   </a:txBody>
                   <a:tcPr/>
                 </a:tc>
+                <a:extLst>
+                  <a:ext uri="{0D108BD9-81ED-4DB2-BD59-A6C34878D82A}">
+                    <a16:rowId xmlns:a16="http://schemas.microsoft.com/office/drawing/2014/main" val="10005"/>
+                  </a:ext>
+                </a:extLst>
               </a:tr>
               <a:tr h="370840">
                 <a:tc>
@@ -11697,6 +11904,11 @@
                   </a:txBody>
                   <a:tcPr/>
                 </a:tc>
+                <a:extLst>
+                  <a:ext uri="{0D108BD9-81ED-4DB2-BD59-A6C34878D82A}">
+                    <a16:rowId xmlns:a16="http://schemas.microsoft.com/office/drawing/2014/main" val="10006"/>
+                  </a:ext>
+                </a:extLst>
               </a:tr>
             </a:tbl>
           </a:graphicData>
@@ -11973,13 +12185,6 @@
   <p:clrMapOvr>
     <a:masterClrMapping/>
   </p:clrMapOvr>
-  <p:timing>
-    <p:tnLst>
-      <p:par>
-        <p:cTn id="1" dur="indefinite" restart="never" nodeType="tmRoot"/>
-      </p:par>
-    </p:tnLst>
-  </p:timing>
 </p:sld>
 </file>
 
@@ -12005,7 +12210,7 @@
           <p:cNvPr id="4" name="标题 3">
             <a:extLst>
               <a:ext uri="{FF2B5EF4-FFF2-40B4-BE49-F238E27FC236}">
-                <a16:creationId xmlns:a16="http://schemas.microsoft.com/office/drawing/2014/main" xmlns="" id="{5DCC7AE5-7EF9-4964-8408-F84B72D5D253}"/>
+                <a16:creationId xmlns:a16="http://schemas.microsoft.com/office/drawing/2014/main" id="{5DCC7AE5-7EF9-4964-8408-F84B72D5D253}"/>
               </a:ext>
             </a:extLst>
           </p:cNvPr>
@@ -13998,7 +14203,7 @@
           <p:cNvPr id="4" name="标题 3">
             <a:extLst>
               <a:ext uri="{FF2B5EF4-FFF2-40B4-BE49-F238E27FC236}">
-                <a16:creationId xmlns:a16="http://schemas.microsoft.com/office/drawing/2014/main" xmlns="" id="{5DCC7AE5-7EF9-4964-8408-F84B72D5D253}"/>
+                <a16:creationId xmlns:a16="http://schemas.microsoft.com/office/drawing/2014/main" id="{5DCC7AE5-7EF9-4964-8408-F84B72D5D253}"/>
               </a:ext>
             </a:extLst>
           </p:cNvPr>
@@ -14703,7 +14908,7 @@
           <p:cNvPr id="4" name="标题 3">
             <a:extLst>
               <a:ext uri="{FF2B5EF4-FFF2-40B4-BE49-F238E27FC236}">
-                <a16:creationId xmlns:a16="http://schemas.microsoft.com/office/drawing/2014/main" xmlns="" id="{5DCC7AE5-7EF9-4964-8408-F84B72D5D253}"/>
+                <a16:creationId xmlns:a16="http://schemas.microsoft.com/office/drawing/2014/main" id="{5DCC7AE5-7EF9-4964-8408-F84B72D5D253}"/>
               </a:ext>
             </a:extLst>
           </p:cNvPr>
@@ -16813,7 +17018,7 @@
           <p:cNvPr id="4" name="标题 3">
             <a:extLst>
               <a:ext uri="{FF2B5EF4-FFF2-40B4-BE49-F238E27FC236}">
-                <a16:creationId xmlns:a16="http://schemas.microsoft.com/office/drawing/2014/main" xmlns="" id="{5DCC7AE5-7EF9-4964-8408-F84B72D5D253}"/>
+                <a16:creationId xmlns:a16="http://schemas.microsoft.com/office/drawing/2014/main" id="{5DCC7AE5-7EF9-4964-8408-F84B72D5D253}"/>
               </a:ext>
             </a:extLst>
           </p:cNvPr>
@@ -20644,7 +20849,7 @@
           <p:cNvPr id="4" name="标题 3">
             <a:extLst>
               <a:ext uri="{FF2B5EF4-FFF2-40B4-BE49-F238E27FC236}">
-                <a16:creationId xmlns:a16="http://schemas.microsoft.com/office/drawing/2014/main" xmlns="" id="{5DCC7AE5-7EF9-4964-8408-F84B72D5D253}"/>
+                <a16:creationId xmlns:a16="http://schemas.microsoft.com/office/drawing/2014/main" id="{5DCC7AE5-7EF9-4964-8408-F84B72D5D253}"/>
               </a:ext>
             </a:extLst>
           </p:cNvPr>
@@ -22263,7 +22468,7 @@
           <p:cNvPr id="4" name="标题 3">
             <a:extLst>
               <a:ext uri="{FF2B5EF4-FFF2-40B4-BE49-F238E27FC236}">
-                <a16:creationId xmlns:a16="http://schemas.microsoft.com/office/drawing/2014/main" xmlns="" id="{5DCC7AE5-7EF9-4964-8408-F84B72D5D253}"/>
+                <a16:creationId xmlns:a16="http://schemas.microsoft.com/office/drawing/2014/main" id="{5DCC7AE5-7EF9-4964-8408-F84B72D5D253}"/>
               </a:ext>
             </a:extLst>
           </p:cNvPr>
@@ -22869,7 +23074,7 @@
           <p:cNvPr id="4" name="标题 3">
             <a:extLst>
               <a:ext uri="{FF2B5EF4-FFF2-40B4-BE49-F238E27FC236}">
-                <a16:creationId xmlns:a16="http://schemas.microsoft.com/office/drawing/2014/main" xmlns="" id="{5DCC7AE5-7EF9-4964-8408-F84B72D5D253}"/>
+                <a16:creationId xmlns:a16="http://schemas.microsoft.com/office/drawing/2014/main" id="{5DCC7AE5-7EF9-4964-8408-F84B72D5D253}"/>
               </a:ext>
             </a:extLst>
           </p:cNvPr>
@@ -24543,7 +24748,7 @@
           <p:cNvPr id="4" name="标题 3">
             <a:extLst>
               <a:ext uri="{FF2B5EF4-FFF2-40B4-BE49-F238E27FC236}">
-                <a16:creationId xmlns:a16="http://schemas.microsoft.com/office/drawing/2014/main" xmlns="" id="{5DCC7AE5-7EF9-4964-8408-F84B72D5D253}"/>
+                <a16:creationId xmlns:a16="http://schemas.microsoft.com/office/drawing/2014/main" id="{5DCC7AE5-7EF9-4964-8408-F84B72D5D253}"/>
               </a:ext>
             </a:extLst>
           </p:cNvPr>
@@ -24784,7 +24989,7 @@
           <p:cNvPr id="4" name="标题 3">
             <a:extLst>
               <a:ext uri="{FF2B5EF4-FFF2-40B4-BE49-F238E27FC236}">
-                <a16:creationId xmlns:a16="http://schemas.microsoft.com/office/drawing/2014/main" xmlns="" id="{5DCC7AE5-7EF9-4964-8408-F84B72D5D253}"/>
+                <a16:creationId xmlns:a16="http://schemas.microsoft.com/office/drawing/2014/main" id="{5DCC7AE5-7EF9-4964-8408-F84B72D5D253}"/>
               </a:ext>
             </a:extLst>
           </p:cNvPr>
@@ -25610,7 +25815,7 @@
           <p:cNvPr id="4" name="标题 3">
             <a:extLst>
               <a:ext uri="{FF2B5EF4-FFF2-40B4-BE49-F238E27FC236}">
-                <a16:creationId xmlns:a16="http://schemas.microsoft.com/office/drawing/2014/main" xmlns="" id="{5DCC7AE5-7EF9-4964-8408-F84B72D5D253}"/>
+                <a16:creationId xmlns:a16="http://schemas.microsoft.com/office/drawing/2014/main" id="{5DCC7AE5-7EF9-4964-8408-F84B72D5D253}"/>
               </a:ext>
             </a:extLst>
           </p:cNvPr>
@@ -27457,7 +27662,7 @@
           <p:cNvPr id="4" name="标题 3">
             <a:extLst>
               <a:ext uri="{FF2B5EF4-FFF2-40B4-BE49-F238E27FC236}">
-                <a16:creationId xmlns:a16="http://schemas.microsoft.com/office/drawing/2014/main" xmlns="" id="{5DCC7AE5-7EF9-4964-8408-F84B72D5D253}"/>
+                <a16:creationId xmlns:a16="http://schemas.microsoft.com/office/drawing/2014/main" id="{5DCC7AE5-7EF9-4964-8408-F84B72D5D253}"/>
               </a:ext>
             </a:extLst>
           </p:cNvPr>
@@ -27771,7 +27976,7 @@
           <p:cNvPr id="4" name="标题 3">
             <a:extLst>
               <a:ext uri="{FF2B5EF4-FFF2-40B4-BE49-F238E27FC236}">
-                <a16:creationId xmlns:a16="http://schemas.microsoft.com/office/drawing/2014/main" xmlns="" id="{5DCC7AE5-7EF9-4964-8408-F84B72D5D253}"/>
+                <a16:creationId xmlns:a16="http://schemas.microsoft.com/office/drawing/2014/main" id="{5DCC7AE5-7EF9-4964-8408-F84B72D5D253}"/>
               </a:ext>
             </a:extLst>
           </p:cNvPr>
@@ -28261,7 +28466,7 @@
           <p:cNvPr id="4" name="标题 3">
             <a:extLst>
               <a:ext uri="{FF2B5EF4-FFF2-40B4-BE49-F238E27FC236}">
-                <a16:creationId xmlns:a16="http://schemas.microsoft.com/office/drawing/2014/main" xmlns="" id="{5DCC7AE5-7EF9-4964-8408-F84B72D5D253}"/>
+                <a16:creationId xmlns:a16="http://schemas.microsoft.com/office/drawing/2014/main" id="{5DCC7AE5-7EF9-4964-8408-F84B72D5D253}"/>
               </a:ext>
             </a:extLst>
           </p:cNvPr>
@@ -28639,7 +28844,7 @@
           <p:cNvPr id="4" name="标题 3">
             <a:extLst>
               <a:ext uri="{FF2B5EF4-FFF2-40B4-BE49-F238E27FC236}">
-                <a16:creationId xmlns:a16="http://schemas.microsoft.com/office/drawing/2014/main" xmlns="" id="{5DCC7AE5-7EF9-4964-8408-F84B72D5D253}"/>
+                <a16:creationId xmlns:a16="http://schemas.microsoft.com/office/drawing/2014/main" id="{5DCC7AE5-7EF9-4964-8408-F84B72D5D253}"/>
               </a:ext>
             </a:extLst>
           </p:cNvPr>
@@ -28965,7 +29170,7 @@
           <p:cNvPr id="4" name="标题 3">
             <a:extLst>
               <a:ext uri="{FF2B5EF4-FFF2-40B4-BE49-F238E27FC236}">
-                <a16:creationId xmlns:a16="http://schemas.microsoft.com/office/drawing/2014/main" xmlns="" id="{5DCC7AE5-7EF9-4964-8408-F84B72D5D253}"/>
+                <a16:creationId xmlns:a16="http://schemas.microsoft.com/office/drawing/2014/main" id="{5DCC7AE5-7EF9-4964-8408-F84B72D5D253}"/>
               </a:ext>
             </a:extLst>
           </p:cNvPr>
@@ -31077,7 +31282,7 @@
           <p:cNvPr id="4" name="标题 3">
             <a:extLst>
               <a:ext uri="{FF2B5EF4-FFF2-40B4-BE49-F238E27FC236}">
-                <a16:creationId xmlns:a16="http://schemas.microsoft.com/office/drawing/2014/main" xmlns="" id="{5DCC7AE5-7EF9-4964-8408-F84B72D5D253}"/>
+                <a16:creationId xmlns:a16="http://schemas.microsoft.com/office/drawing/2014/main" id="{5DCC7AE5-7EF9-4964-8408-F84B72D5D253}"/>
               </a:ext>
             </a:extLst>
           </p:cNvPr>
@@ -32878,7 +33083,7 @@
           <p:cNvPr id="4" name="标题 3">
             <a:extLst>
               <a:ext uri="{FF2B5EF4-FFF2-40B4-BE49-F238E27FC236}">
-                <a16:creationId xmlns:a16="http://schemas.microsoft.com/office/drawing/2014/main" xmlns="" id="{5DCC7AE5-7EF9-4964-8408-F84B72D5D253}"/>
+                <a16:creationId xmlns:a16="http://schemas.microsoft.com/office/drawing/2014/main" id="{5DCC7AE5-7EF9-4964-8408-F84B72D5D253}"/>
               </a:ext>
             </a:extLst>
           </p:cNvPr>
@@ -34715,7 +34920,7 @@
           <p:cNvPr id="4" name="标题 3">
             <a:extLst>
               <a:ext uri="{FF2B5EF4-FFF2-40B4-BE49-F238E27FC236}">
-                <a16:creationId xmlns:a16="http://schemas.microsoft.com/office/drawing/2014/main" xmlns="" id="{5DCC7AE5-7EF9-4964-8408-F84B72D5D253}"/>
+                <a16:creationId xmlns:a16="http://schemas.microsoft.com/office/drawing/2014/main" id="{5DCC7AE5-7EF9-4964-8408-F84B72D5D253}"/>
               </a:ext>
             </a:extLst>
           </p:cNvPr>
@@ -37516,7 +37721,7 @@
           <p:cNvPr id="4" name="标题 3">
             <a:extLst>
               <a:ext uri="{FF2B5EF4-FFF2-40B4-BE49-F238E27FC236}">
-                <a16:creationId xmlns:a16="http://schemas.microsoft.com/office/drawing/2014/main" xmlns="" id="{5DCC7AE5-7EF9-4964-8408-F84B72D5D253}"/>
+                <a16:creationId xmlns:a16="http://schemas.microsoft.com/office/drawing/2014/main" id="{5DCC7AE5-7EF9-4964-8408-F84B72D5D253}"/>
               </a:ext>
             </a:extLst>
           </p:cNvPr>
@@ -38567,7 +38772,7 @@
           <p:cNvPr id="4" name="标题 3">
             <a:extLst>
               <a:ext uri="{FF2B5EF4-FFF2-40B4-BE49-F238E27FC236}">
-                <a16:creationId xmlns:a16="http://schemas.microsoft.com/office/drawing/2014/main" xmlns="" id="{5DCC7AE5-7EF9-4964-8408-F84B72D5D253}"/>
+                <a16:creationId xmlns:a16="http://schemas.microsoft.com/office/drawing/2014/main" id="{5DCC7AE5-7EF9-4964-8408-F84B72D5D253}"/>
               </a:ext>
             </a:extLst>
           </p:cNvPr>
@@ -39464,13 +39669,6 @@
   <p:clrMapOvr>
     <a:masterClrMapping/>
   </p:clrMapOvr>
-  <p:timing>
-    <p:tnLst>
-      <p:par>
-        <p:cTn id="1" dur="indefinite" restart="never" nodeType="tmRoot"/>
-      </p:par>
-    </p:tnLst>
-  </p:timing>
 </p:sld>
 </file>
 
@@ -40647,7 +40845,7 @@
           <p:cNvPr id="4" name="标题 3">
             <a:extLst>
               <a:ext uri="{FF2B5EF4-FFF2-40B4-BE49-F238E27FC236}">
-                <a16:creationId xmlns:a16="http://schemas.microsoft.com/office/drawing/2014/main" xmlns="" id="{5DCC7AE5-7EF9-4964-8408-F84B72D5D253}"/>
+                <a16:creationId xmlns:a16="http://schemas.microsoft.com/office/drawing/2014/main" id="{5DCC7AE5-7EF9-4964-8408-F84B72D5D253}"/>
               </a:ext>
             </a:extLst>
           </p:cNvPr>
@@ -40701,7 +40899,7 @@
               <a:buChar char="n"/>
             </a:pPr>
             <a:r>
-              <a:rPr lang="en-US" altLang="zh-CN" sz="1600">
+              <a:rPr lang="en-US" altLang="zh-CN" sz="1600" dirty="0">
                 <a:solidFill>
                   <a:schemeClr val="tx1">
                     <a:lumMod val="65000"/>
@@ -40714,7 +40912,7 @@
               <a:t>Objective-C</a:t>
             </a:r>
             <a:r>
-              <a:rPr lang="zh-CN" altLang="en-US" sz="1600">
+              <a:rPr lang="zh-CN" altLang="en-US" sz="1600" dirty="0">
                 <a:solidFill>
                   <a:schemeClr val="tx1">
                     <a:lumMod val="65000"/>
@@ -40727,7 +40925,7 @@
               <a:t>是一门动态性比较强的编程语言，跟</a:t>
             </a:r>
             <a:r>
-              <a:rPr lang="en-US" altLang="zh-CN" sz="1600">
+              <a:rPr lang="en-US" altLang="zh-CN" sz="1600" dirty="0">
                 <a:solidFill>
                   <a:schemeClr val="tx1">
                     <a:lumMod val="65000"/>
@@ -40740,7 +40938,7 @@
               <a:t>C</a:t>
             </a:r>
             <a:r>
-              <a:rPr lang="zh-CN" altLang="en-US" sz="1600">
+              <a:rPr lang="zh-CN" altLang="en-US" sz="1600" dirty="0">
                 <a:solidFill>
                   <a:schemeClr val="tx1">
                     <a:lumMod val="65000"/>
@@ -40753,7 +40951,7 @@
               <a:t>、</a:t>
             </a:r>
             <a:r>
-              <a:rPr lang="en-US" altLang="zh-CN" sz="1600">
+              <a:rPr lang="en-US" altLang="zh-CN" sz="1600" dirty="0">
                 <a:solidFill>
                   <a:schemeClr val="tx1">
                     <a:lumMod val="65000"/>
@@ -40766,7 +40964,7 @@
               <a:t>C++</a:t>
             </a:r>
             <a:r>
-              <a:rPr lang="zh-CN" altLang="en-US" sz="1600">
+              <a:rPr lang="zh-CN" altLang="en-US" sz="1600" dirty="0">
                 <a:solidFill>
                   <a:schemeClr val="tx1">
                     <a:lumMod val="65000"/>
@@ -40778,7 +40976,7 @@
               </a:rPr>
               <a:t>等语言有着很大的不同</a:t>
             </a:r>
-            <a:endParaRPr lang="en-US" altLang="zh-CN" sz="1600">
+            <a:endParaRPr lang="en-US" altLang="zh-CN" sz="1600" dirty="0">
               <a:solidFill>
                 <a:schemeClr val="tx1">
                   <a:lumMod val="65000"/>
@@ -40797,7 +40995,7 @@
               <a:buFont typeface="Wingdings" charset="2"/>
               <a:buChar char="n"/>
             </a:pPr>
-            <a:endParaRPr lang="en-US" altLang="zh-CN" sz="1600">
+            <a:endParaRPr lang="en-US" altLang="zh-CN" sz="1600" dirty="0">
               <a:solidFill>
                 <a:schemeClr val="tx1">
                   <a:lumMod val="65000"/>
@@ -40817,7 +41015,7 @@
               <a:buChar char="n"/>
             </a:pPr>
             <a:r>
-              <a:rPr lang="en-US" altLang="zh-CN" sz="1600">
+              <a:rPr lang="en-US" altLang="zh-CN" sz="1600" dirty="0">
                 <a:solidFill>
                   <a:schemeClr val="tx1">
                     <a:lumMod val="65000"/>
@@ -40830,7 +41028,7 @@
               <a:t>Objective-C</a:t>
             </a:r>
             <a:r>
-              <a:rPr lang="zh-CN" altLang="en-US" sz="1600">
+              <a:rPr lang="zh-CN" altLang="en-US" sz="1600" dirty="0">
                 <a:solidFill>
                   <a:schemeClr val="tx1">
                     <a:lumMod val="65000"/>
@@ -40843,7 +41041,7 @@
               <a:t>的动态性是由</a:t>
             </a:r>
             <a:r>
-              <a:rPr lang="en-US" altLang="zh-CN" sz="1600">
+              <a:rPr lang="en-US" altLang="zh-CN" sz="1600" dirty="0">
                 <a:solidFill>
                   <a:schemeClr val="tx1">
                     <a:lumMod val="65000"/>
@@ -40856,7 +41054,7 @@
               <a:t>Runtime</a:t>
             </a:r>
             <a:r>
-              <a:rPr lang="zh-CN" altLang="en-US" sz="1600">
+              <a:rPr lang="zh-CN" altLang="en-US" sz="1600" dirty="0">
                 <a:solidFill>
                   <a:schemeClr val="tx1">
                     <a:lumMod val="65000"/>
@@ -40869,7 +41067,7 @@
               <a:t> </a:t>
             </a:r>
             <a:r>
-              <a:rPr lang="en-US" altLang="zh-CN" sz="1600">
+              <a:rPr lang="en-US" altLang="zh-CN" sz="1600" dirty="0">
                 <a:solidFill>
                   <a:schemeClr val="tx1">
                     <a:lumMod val="65000"/>
@@ -40882,7 +41080,7 @@
               <a:t>API</a:t>
             </a:r>
             <a:r>
-              <a:rPr lang="zh-CN" altLang="en-US" sz="1600">
+              <a:rPr lang="zh-CN" altLang="en-US" sz="1600" dirty="0">
                 <a:solidFill>
                   <a:schemeClr val="tx1">
                     <a:lumMod val="65000"/>
@@ -40894,7 +41092,7 @@
               </a:rPr>
               <a:t>来支撑的</a:t>
             </a:r>
-            <a:endParaRPr lang="en-US" altLang="zh-CN" sz="1600">
+            <a:endParaRPr lang="en-US" altLang="zh-CN" sz="1600" dirty="0">
               <a:solidFill>
                 <a:schemeClr val="tx1">
                   <a:lumMod val="65000"/>
@@ -40913,7 +41111,7 @@
               <a:buFont typeface="Wingdings" charset="2"/>
               <a:buChar char="n"/>
             </a:pPr>
-            <a:endParaRPr lang="en-US" altLang="zh-CN" sz="1600">
+            <a:endParaRPr lang="en-US" altLang="zh-CN" sz="1600" dirty="0">
               <a:solidFill>
                 <a:schemeClr val="tx1">
                   <a:lumMod val="65000"/>
@@ -40933,7 +41131,7 @@
               <a:buChar char="n"/>
             </a:pPr>
             <a:r>
-              <a:rPr lang="en-US" altLang="zh-CN" sz="1600">
+              <a:rPr lang="en-US" altLang="zh-CN" sz="1600" dirty="0">
                 <a:solidFill>
                   <a:schemeClr val="tx1">
                     <a:lumMod val="65000"/>
@@ -40946,7 +41144,7 @@
               <a:t>Runtime</a:t>
             </a:r>
             <a:r>
-              <a:rPr lang="zh-CN" altLang="en-US" sz="1600">
+              <a:rPr lang="zh-CN" altLang="en-US" sz="1600" dirty="0">
                 <a:solidFill>
                   <a:schemeClr val="tx1">
                     <a:lumMod val="65000"/>
@@ -40959,7 +41157,7 @@
               <a:t> </a:t>
             </a:r>
             <a:r>
-              <a:rPr lang="en-US" altLang="zh-CN" sz="1600">
+              <a:rPr lang="en-US" altLang="zh-CN" sz="1600" dirty="0">
                 <a:solidFill>
                   <a:schemeClr val="tx1">
                     <a:lumMod val="65000"/>
@@ -40972,7 +41170,7 @@
               <a:t>API</a:t>
             </a:r>
             <a:r>
-              <a:rPr lang="zh-CN" altLang="en-US" sz="1600">
+              <a:rPr lang="zh-CN" altLang="en-US" sz="1600" dirty="0">
                 <a:solidFill>
                   <a:schemeClr val="tx1">
                     <a:lumMod val="65000"/>
@@ -40985,7 +41183,7 @@
               <a:t>提供的接口基本都是</a:t>
             </a:r>
             <a:r>
-              <a:rPr lang="en-US" altLang="zh-CN" sz="1600">
+              <a:rPr lang="en-US" altLang="zh-CN" sz="1600" dirty="0">
                 <a:solidFill>
                   <a:schemeClr val="tx1">
                     <a:lumMod val="65000"/>
@@ -40998,7 +41196,7 @@
               <a:t>C</a:t>
             </a:r>
             <a:r>
-              <a:rPr lang="zh-CN" altLang="en-US" sz="1600">
+              <a:rPr lang="zh-CN" altLang="en-US" sz="1600" dirty="0">
                 <a:solidFill>
                   <a:schemeClr val="tx1">
                     <a:lumMod val="65000"/>
@@ -41011,7 +41209,7 @@
               <a:t>语言的，源码由</a:t>
             </a:r>
             <a:r>
-              <a:rPr lang="en-US" altLang="zh-CN" sz="1600">
+              <a:rPr lang="en-US" altLang="zh-CN" sz="1600" dirty="0">
                 <a:solidFill>
                   <a:schemeClr val="tx1">
                     <a:lumMod val="65000"/>
@@ -41024,7 +41222,7 @@
               <a:t>C\C++\</a:t>
             </a:r>
             <a:r>
-              <a:rPr lang="zh-CN" altLang="en-US" sz="1600">
+              <a:rPr lang="zh-CN" altLang="en-US" sz="1600" dirty="0">
                 <a:solidFill>
                   <a:schemeClr val="tx1">
                     <a:lumMod val="65000"/>

--- a/document/底层课件/02-Runtime.pptx
+++ b/document/底层课件/02-Runtime.pptx
@@ -381,7 +381,7 @@
           <a:p>
             <a:fld id="{2B87634C-074B-4260-9010-E574428551B5}" type="datetimeFigureOut">
               <a:rPr lang="zh-CN" altLang="en-US" smtClean="0"/>
-              <a:t>2019/11/25</a:t>
+              <a:t>2021/6/3</a:t>
             </a:fld>
             <a:endParaRPr lang="zh-CN" altLang="en-US"/>
           </a:p>
@@ -558,7 +558,7 @@
           <a:p>
             <a:fld id="{C25591C1-7BBD-4BAD-9912-0ADD21A74F01}" type="datetimeFigureOut">
               <a:rPr lang="zh-CN" altLang="en-US" smtClean="0"/>
-              <a:t>2019/11/25</a:t>
+              <a:t>2021/6/3</a:t>
             </a:fld>
             <a:endParaRPr lang="zh-CN" altLang="en-US"/>
           </a:p>
@@ -1613,7 +1613,7 @@
           <a:p>
             <a:fld id="{72D8E73B-0927-45CC-BC19-B5A752C4C781}" type="datetimeFigureOut">
               <a:rPr lang="zh-CN" altLang="en-US" smtClean="0"/>
-              <a:t>2019/11/25</a:t>
+              <a:t>2021/6/3</a:t>
             </a:fld>
             <a:endParaRPr lang="zh-CN" altLang="en-US"/>
           </a:p>
@@ -6738,7 +6738,7 @@
               <a:buChar char="n"/>
             </a:pPr>
             <a:r>
-              <a:rPr lang="en-US" altLang="zh-CN" sz="1600">
+              <a:rPr lang="en-US" altLang="zh-CN" sz="1600" dirty="0" err="1">
                 <a:solidFill>
                   <a:srgbClr val="000000"/>
                 </a:solidFill>
@@ -6747,7 +6747,7 @@
               <a:t>class_rw_t</a:t>
             </a:r>
             <a:r>
-              <a:rPr lang="zh-CN" altLang="en-US" sz="1600">
+              <a:rPr lang="zh-CN" altLang="en-US" sz="1600" dirty="0">
                 <a:solidFill>
                   <a:schemeClr val="tx1">
                     <a:lumMod val="65000"/>
@@ -6760,7 +6760,7 @@
               <a:t>里面的</a:t>
             </a:r>
             <a:r>
-              <a:rPr lang="en-US" altLang="zh-CN" sz="1600">
+              <a:rPr lang="en-US" altLang="zh-CN" sz="1600" dirty="0">
                 <a:solidFill>
                   <a:schemeClr val="tx1">
                     <a:lumMod val="65000"/>
@@ -6773,7 +6773,7 @@
               <a:t>methods</a:t>
             </a:r>
             <a:r>
-              <a:rPr lang="zh-CN" altLang="en-US" sz="1600">
+              <a:rPr lang="zh-CN" altLang="en-US" sz="1600" dirty="0">
                 <a:solidFill>
                   <a:schemeClr val="tx1">
                     <a:lumMod val="65000"/>
@@ -6786,7 +6786,7 @@
               <a:t>、</a:t>
             </a:r>
             <a:r>
-              <a:rPr lang="en-US" altLang="zh-CN" sz="1600">
+              <a:rPr lang="en-US" altLang="zh-CN" sz="1600" dirty="0">
                 <a:solidFill>
                   <a:schemeClr val="tx1">
                     <a:lumMod val="65000"/>
@@ -6799,7 +6799,7 @@
               <a:t>properties</a:t>
             </a:r>
             <a:r>
-              <a:rPr lang="zh-CN" altLang="en-US" sz="1600">
+              <a:rPr lang="zh-CN" altLang="en-US" sz="1600" dirty="0">
                 <a:solidFill>
                   <a:schemeClr val="tx1">
                     <a:lumMod val="65000"/>
@@ -6812,7 +6812,7 @@
               <a:t>、</a:t>
             </a:r>
             <a:r>
-              <a:rPr lang="en-US" altLang="zh-CN" sz="1600">
+              <a:rPr lang="en-US" altLang="zh-CN" sz="1600" dirty="0">
                 <a:solidFill>
                   <a:schemeClr val="tx1">
                     <a:lumMod val="65000"/>
@@ -6825,7 +6825,7 @@
               <a:t>protocols</a:t>
             </a:r>
             <a:r>
-              <a:rPr lang="zh-CN" altLang="en-US" sz="1600">
+              <a:rPr lang="zh-CN" altLang="en-US" sz="1600" dirty="0">
                 <a:solidFill>
                   <a:schemeClr val="tx1">
                     <a:lumMod val="65000"/>
@@ -6837,7 +6837,7 @@
               </a:rPr>
               <a:t>是二维数组，是可读可写的，包含了类的初始内容、分类的内容</a:t>
             </a:r>
-            <a:endParaRPr lang="en-US" altLang="zh-CN" sz="1600">
+            <a:endParaRPr lang="en-US" altLang="zh-CN" sz="1600" dirty="0">
               <a:solidFill>
                 <a:schemeClr val="tx1">
                   <a:lumMod val="65000"/>
@@ -6856,7 +6856,7 @@
               <a:buFont typeface="Wingdings" charset="2"/>
               <a:buChar char="n"/>
             </a:pPr>
-            <a:endParaRPr lang="zh-CN" altLang="en-US" sz="1600">
+            <a:endParaRPr lang="zh-CN" altLang="en-US" sz="1600" dirty="0">
               <a:solidFill>
                 <a:schemeClr val="tx1">
                   <a:lumMod val="65000"/>
@@ -8047,7 +8047,7 @@
               <a:buChar char="n"/>
             </a:pPr>
             <a:r>
-              <a:rPr lang="en-US" altLang="zh-CN" sz="1600">
+              <a:rPr lang="en-US" altLang="zh-CN" sz="1600" dirty="0" err="1">
                 <a:solidFill>
                   <a:srgbClr val="000000"/>
                 </a:solidFill>
@@ -8056,7 +8056,7 @@
               <a:t>class_ro_t</a:t>
             </a:r>
             <a:r>
-              <a:rPr lang="zh-CN" altLang="en-US" sz="1600">
+              <a:rPr lang="zh-CN" altLang="en-US" sz="1600" dirty="0">
                 <a:solidFill>
                   <a:schemeClr val="tx1">
                     <a:lumMod val="65000"/>
@@ -8069,7 +8069,7 @@
               <a:t>里面的</a:t>
             </a:r>
             <a:r>
-              <a:rPr lang="en-US" altLang="zh-CN" sz="1600">
+              <a:rPr lang="en-US" altLang="zh-CN" sz="1600" dirty="0" err="1">
                 <a:solidFill>
                   <a:schemeClr val="tx1">
                     <a:lumMod val="65000"/>
@@ -8082,7 +8082,7 @@
               <a:t>baseMethodList</a:t>
             </a:r>
             <a:r>
-              <a:rPr lang="zh-CN" altLang="en-US" sz="1600">
+              <a:rPr lang="zh-CN" altLang="en-US" sz="1600" dirty="0">
                 <a:solidFill>
                   <a:schemeClr val="tx1">
                     <a:lumMod val="65000"/>
@@ -8095,7 +8095,7 @@
               <a:t>、</a:t>
             </a:r>
             <a:r>
-              <a:rPr lang="en-US" altLang="zh-CN" sz="1600">
+              <a:rPr lang="en-US" altLang="zh-CN" sz="1600" dirty="0" err="1">
                 <a:solidFill>
                   <a:schemeClr val="tx1">
                     <a:lumMod val="65000"/>
@@ -8108,7 +8108,7 @@
               <a:t>baseProtocols</a:t>
             </a:r>
             <a:r>
-              <a:rPr lang="zh-CN" altLang="en-US" sz="1600">
+              <a:rPr lang="zh-CN" altLang="en-US" sz="1600" dirty="0">
                 <a:solidFill>
                   <a:schemeClr val="tx1">
                     <a:lumMod val="65000"/>
@@ -8121,7 +8121,7 @@
               <a:t>、</a:t>
             </a:r>
             <a:r>
-              <a:rPr lang="en-US" altLang="zh-CN" sz="1600">
+              <a:rPr lang="en-US" altLang="zh-CN" sz="1600" dirty="0" err="1">
                 <a:solidFill>
                   <a:schemeClr val="tx1">
                     <a:lumMod val="65000"/>
@@ -8134,7 +8134,7 @@
               <a:t>ivars</a:t>
             </a:r>
             <a:r>
-              <a:rPr lang="zh-CN" altLang="en-US" sz="1600">
+              <a:rPr lang="zh-CN" altLang="en-US" sz="1600" dirty="0">
                 <a:solidFill>
                   <a:schemeClr val="tx1">
                     <a:lumMod val="65000"/>
@@ -8147,7 +8147,7 @@
               <a:t>、</a:t>
             </a:r>
             <a:r>
-              <a:rPr lang="en-US" altLang="zh-CN" sz="1600">
+              <a:rPr lang="en-US" altLang="zh-CN" sz="1600" dirty="0" err="1">
                 <a:solidFill>
                   <a:schemeClr val="tx1">
                     <a:lumMod val="65000"/>
@@ -8160,7 +8160,7 @@
               <a:t>baseProperties</a:t>
             </a:r>
             <a:r>
-              <a:rPr lang="zh-CN" altLang="en-US" sz="1600">
+              <a:rPr lang="zh-CN" altLang="en-US" sz="1600" dirty="0">
                 <a:solidFill>
                   <a:schemeClr val="tx1">
                     <a:lumMod val="65000"/>
@@ -8660,7 +8660,7 @@
               <a:buChar char="n"/>
             </a:pPr>
             <a:r>
-              <a:rPr lang="en-US" altLang="zh-CN" sz="1600">
+              <a:rPr lang="en-US" altLang="zh-CN" sz="1600" dirty="0" err="1">
                 <a:solidFill>
                   <a:schemeClr val="tx1">
                     <a:lumMod val="65000"/>
@@ -8673,7 +8673,7 @@
               <a:t>method_t</a:t>
             </a:r>
             <a:r>
-              <a:rPr lang="zh-CN" altLang="en-US" sz="1600">
+              <a:rPr lang="zh-CN" altLang="en-US" sz="1600" dirty="0">
                 <a:solidFill>
                   <a:schemeClr val="tx1">
                     <a:lumMod val="65000"/>
@@ -8686,7 +8686,7 @@
               <a:t>是对方法</a:t>
             </a:r>
             <a:r>
-              <a:rPr lang="en-US" altLang="zh-CN" sz="1600">
+              <a:rPr lang="en-US" altLang="zh-CN" sz="1600" dirty="0">
                 <a:solidFill>
                   <a:schemeClr val="tx1">
                     <a:lumMod val="65000"/>
@@ -8699,7 +8699,7 @@
               <a:t>\</a:t>
             </a:r>
             <a:r>
-              <a:rPr lang="zh-CN" altLang="en-US" sz="1600">
+              <a:rPr lang="zh-CN" altLang="en-US" sz="1600" dirty="0">
                 <a:solidFill>
                   <a:schemeClr val="tx1">
                     <a:lumMod val="65000"/>
@@ -8831,7 +8831,7 @@
               <a:buChar char="n"/>
             </a:pPr>
             <a:r>
-              <a:rPr lang="en-US" altLang="zh-CN" sz="1600">
+              <a:rPr lang="en-US" altLang="zh-CN" sz="1600" dirty="0">
                 <a:solidFill>
                   <a:srgbClr val="AA0D91"/>
                 </a:solidFill>
@@ -8840,7 +8840,7 @@
               <a:t>SEL</a:t>
             </a:r>
             <a:r>
-              <a:rPr lang="zh-CN" altLang="en-US" sz="1600">
+              <a:rPr lang="zh-CN" altLang="en-US" sz="1600" dirty="0">
                 <a:solidFill>
                   <a:schemeClr val="tx1">
                     <a:lumMod val="65000"/>
@@ -8853,7 +8853,7 @@
               <a:t>代表方法</a:t>
             </a:r>
             <a:r>
-              <a:rPr lang="en-US" altLang="zh-CN" sz="1600">
+              <a:rPr lang="en-US" altLang="zh-CN" sz="1600" dirty="0">
                 <a:solidFill>
                   <a:schemeClr val="tx1">
                     <a:lumMod val="65000"/>
@@ -8866,7 +8866,7 @@
               <a:t>\</a:t>
             </a:r>
             <a:r>
-              <a:rPr lang="zh-CN" altLang="en-US" sz="1600">
+              <a:rPr lang="zh-CN" altLang="en-US" sz="1600" dirty="0">
                 <a:solidFill>
                   <a:schemeClr val="tx1">
                     <a:lumMod val="65000"/>
@@ -8879,7 +8879,7 @@
               <a:t>函数名，一般叫做选择器，底层结构跟</a:t>
             </a:r>
             <a:r>
-              <a:rPr lang="en-US" altLang="zh-CN" sz="1600">
+              <a:rPr lang="en-US" altLang="zh-CN" sz="1600" dirty="0">
                 <a:solidFill>
                   <a:srgbClr val="AA0D91"/>
                 </a:solidFill>
@@ -8888,7 +8888,7 @@
               <a:t>char</a:t>
             </a:r>
             <a:r>
-              <a:rPr lang="zh-CN" altLang="en-US" sz="1600">
+              <a:rPr lang="zh-CN" altLang="en-US" sz="1600" dirty="0">
                 <a:solidFill>
                   <a:schemeClr val="tx1">
                     <a:lumMod val="65000"/>
@@ -8900,7 +8900,7 @@
               </a:rPr>
               <a:t> *类似</a:t>
             </a:r>
-            <a:endParaRPr lang="en-US" altLang="zh-CN" sz="1600">
+            <a:endParaRPr lang="en-US" altLang="zh-CN" sz="1600" dirty="0">
               <a:solidFill>
                 <a:schemeClr val="tx1">
                   <a:lumMod val="65000"/>
@@ -8920,7 +8920,7 @@
               <a:buChar char="p"/>
             </a:pPr>
             <a:r>
-              <a:rPr lang="zh-CN" altLang="en-US" sz="1600">
+              <a:rPr lang="zh-CN" altLang="en-US" sz="1600" dirty="0">
                 <a:solidFill>
                   <a:schemeClr val="tx1">
                     <a:lumMod val="65000"/>
@@ -8933,7 +8933,7 @@
               <a:t>可以通过</a:t>
             </a:r>
             <a:r>
-              <a:rPr lang="en-US" altLang="zh-CN" sz="1600">
+              <a:rPr lang="en-US" altLang="zh-CN" sz="1600" dirty="0">
                 <a:solidFill>
                   <a:srgbClr val="AA0D91"/>
                 </a:solidFill>
@@ -8942,7 +8942,7 @@
               <a:t>@selector()</a:t>
             </a:r>
             <a:r>
-              <a:rPr lang="zh-CN" altLang="en-US" sz="1600">
+              <a:rPr lang="zh-CN" altLang="en-US" sz="1600" dirty="0">
                 <a:solidFill>
                   <a:schemeClr val="tx1">
                     <a:lumMod val="65000"/>
@@ -8955,16 +8955,25 @@
               <a:t>和</a:t>
             </a:r>
             <a:r>
-              <a:rPr lang="en-US" altLang="zh-CN" sz="1600">
+              <a:rPr lang="en-US" altLang="zh-CN" sz="1600" dirty="0" err="1">
                 <a:solidFill>
                   <a:srgbClr val="000000"/>
                 </a:solidFill>
                 <a:latin typeface="Menlo-Regular" charset="0"/>
               </a:rPr>
-              <a:t>sel_registerName()</a:t>
-            </a:r>
-            <a:r>
-              <a:rPr lang="zh-CN" altLang="en-US" sz="1600">
+              <a:t>sel_registerName</a:t>
+            </a:r>
+            <a:r>
+              <a:rPr lang="en-US" altLang="zh-CN" sz="1600" dirty="0">
+                <a:solidFill>
+                  <a:srgbClr val="000000"/>
+                </a:solidFill>
+                <a:latin typeface="Menlo-Regular" charset="0"/>
+              </a:rPr>
+              <a:t>()</a:t>
+            </a:r>
+            <a:r>
+              <a:rPr lang="zh-CN" altLang="en-US" sz="1600" dirty="0">
                 <a:solidFill>
                   <a:schemeClr val="tx1">
                     <a:lumMod val="65000"/>
@@ -8976,7 +8985,7 @@
               </a:rPr>
               <a:t>获得</a:t>
             </a:r>
-            <a:endParaRPr lang="en-US" altLang="zh-CN" sz="1600">
+            <a:endParaRPr lang="en-US" altLang="zh-CN" sz="1600" dirty="0">
               <a:solidFill>
                 <a:schemeClr val="tx1">
                   <a:lumMod val="65000"/>
@@ -8996,7 +9005,7 @@
               <a:buChar char="p"/>
             </a:pPr>
             <a:r>
-              <a:rPr lang="zh-CN" altLang="en-US" sz="1600">
+              <a:rPr lang="zh-CN" altLang="en-US" sz="1600" dirty="0">
                 <a:solidFill>
                   <a:schemeClr val="tx1">
                     <a:lumMod val="65000"/>
@@ -9009,16 +9018,25 @@
               <a:t>可以通过</a:t>
             </a:r>
             <a:r>
-              <a:rPr lang="en-US" altLang="zh-CN" sz="1600">
+              <a:rPr lang="en-US" altLang="zh-CN" sz="1600" dirty="0" err="1">
                 <a:solidFill>
                   <a:srgbClr val="000000"/>
                 </a:solidFill>
                 <a:latin typeface="Menlo-Regular" charset="0"/>
               </a:rPr>
-              <a:t>sel_getName()</a:t>
-            </a:r>
-            <a:r>
-              <a:rPr lang="zh-CN" altLang="en-US" sz="1600">
+              <a:t>sel_getName</a:t>
+            </a:r>
+            <a:r>
+              <a:rPr lang="en-US" altLang="zh-CN" sz="1600" dirty="0">
+                <a:solidFill>
+                  <a:srgbClr val="000000"/>
+                </a:solidFill>
+                <a:latin typeface="Menlo-Regular" charset="0"/>
+              </a:rPr>
+              <a:t>()</a:t>
+            </a:r>
+            <a:r>
+              <a:rPr lang="zh-CN" altLang="en-US" sz="1600" dirty="0">
                 <a:solidFill>
                   <a:schemeClr val="tx1">
                     <a:lumMod val="65000"/>
@@ -9031,16 +9049,25 @@
               <a:t>和</a:t>
             </a:r>
             <a:r>
-              <a:rPr lang="en-US" altLang="zh-CN" sz="1600">
+              <a:rPr lang="en-US" altLang="zh-CN" sz="1600" dirty="0" err="1">
                 <a:solidFill>
                   <a:srgbClr val="000000"/>
                 </a:solidFill>
                 <a:latin typeface="Menlo-Regular" charset="0"/>
               </a:rPr>
-              <a:t>NSStringFromSelector()</a:t>
-            </a:r>
-            <a:r>
-              <a:rPr lang="zh-CN" altLang="en-US" sz="1600">
+              <a:t>NSStringFromSelector</a:t>
+            </a:r>
+            <a:r>
+              <a:rPr lang="en-US" altLang="zh-CN" sz="1600" dirty="0">
+                <a:solidFill>
+                  <a:srgbClr val="000000"/>
+                </a:solidFill>
+                <a:latin typeface="Menlo-Regular" charset="0"/>
+              </a:rPr>
+              <a:t>()</a:t>
+            </a:r>
+            <a:r>
+              <a:rPr lang="zh-CN" altLang="en-US" sz="1600" dirty="0">
                 <a:solidFill>
                   <a:schemeClr val="tx1">
                     <a:lumMod val="65000"/>
@@ -9052,7 +9079,7 @@
               </a:rPr>
               <a:t>转成字符串</a:t>
             </a:r>
-            <a:endParaRPr lang="en-US" altLang="zh-CN" sz="1600">
+            <a:endParaRPr lang="en-US" altLang="zh-CN" sz="1600" dirty="0">
               <a:solidFill>
                 <a:schemeClr val="tx1">
                   <a:lumMod val="65000"/>
@@ -9072,7 +9099,7 @@
               <a:buChar char="p"/>
             </a:pPr>
             <a:r>
-              <a:rPr lang="zh-CN" altLang="en-US" sz="1600">
+              <a:rPr lang="zh-CN" altLang="en-US" sz="1600" dirty="0">
                 <a:solidFill>
                   <a:schemeClr val="tx1">
                     <a:lumMod val="65000"/>
@@ -14260,7 +14287,7 @@
               <a:buChar char="n"/>
             </a:pPr>
             <a:r>
-              <a:rPr lang="en-US" altLang="zh-CN" sz="1600">
+              <a:rPr lang="en-US" altLang="zh-CN" sz="1600" dirty="0">
                 <a:solidFill>
                   <a:schemeClr val="tx1">
                     <a:lumMod val="65000"/>
@@ -14273,7 +14300,7 @@
               <a:t>OC</a:t>
             </a:r>
             <a:r>
-              <a:rPr lang="zh-CN" altLang="en-US" sz="1600">
+              <a:rPr lang="zh-CN" altLang="en-US" sz="1600" dirty="0">
                 <a:solidFill>
                   <a:schemeClr val="tx1">
                     <a:lumMod val="65000"/>
@@ -14286,7 +14313,7 @@
               <a:t>中的方法调用，其实都是转换为</a:t>
             </a:r>
             <a:r>
-              <a:rPr lang="en-US" altLang="zh-CN" sz="1600">
+              <a:rPr lang="en-US" altLang="zh-CN" sz="1600" dirty="0" err="1">
                 <a:solidFill>
                   <a:schemeClr val="tx1">
                     <a:lumMod val="65000"/>
@@ -14299,7 +14326,7 @@
               <a:t>objc_msgSend</a:t>
             </a:r>
             <a:r>
-              <a:rPr lang="zh-CN" altLang="en-US" sz="1600">
+              <a:rPr lang="zh-CN" altLang="en-US" sz="1600" dirty="0">
                 <a:solidFill>
                   <a:schemeClr val="tx1">
                     <a:lumMod val="65000"/>
@@ -14311,7 +14338,7 @@
               </a:rPr>
               <a:t>函数的调用</a:t>
             </a:r>
-            <a:endParaRPr lang="en-US" altLang="zh-CN" sz="1600">
+            <a:endParaRPr lang="en-US" altLang="zh-CN" sz="1600" dirty="0">
               <a:solidFill>
                 <a:schemeClr val="tx1">
                   <a:lumMod val="65000"/>
@@ -14330,7 +14357,7 @@
               <a:buFont typeface="Wingdings" charset="2"/>
               <a:buChar char="n"/>
             </a:pPr>
-            <a:endParaRPr lang="en-US" altLang="zh-CN" sz="1600">
+            <a:endParaRPr lang="en-US" altLang="zh-CN" sz="1600" dirty="0">
               <a:solidFill>
                 <a:schemeClr val="tx1">
                   <a:lumMod val="65000"/>
@@ -14350,7 +14377,7 @@
               <a:buChar char="n"/>
             </a:pPr>
             <a:r>
-              <a:rPr lang="en-US" altLang="zh-CN" sz="1600">
+              <a:rPr lang="en-US" altLang="zh-CN" sz="1600" dirty="0" err="1">
                 <a:solidFill>
                   <a:schemeClr val="tx1">
                     <a:lumMod val="65000"/>
@@ -14363,7 +14390,7 @@
               <a:t>objc_msgSend</a:t>
             </a:r>
             <a:r>
-              <a:rPr lang="zh-CN" altLang="en-US" sz="1600">
+              <a:rPr lang="zh-CN" altLang="en-US" sz="1600" dirty="0">
                 <a:solidFill>
                   <a:schemeClr val="tx1">
                     <a:lumMod val="65000"/>
@@ -14376,7 +14403,7 @@
               <a:t>的执行流程可以分为</a:t>
             </a:r>
             <a:r>
-              <a:rPr lang="en-US" altLang="zh-CN" sz="1600">
+              <a:rPr lang="en-US" altLang="zh-CN" sz="1600" dirty="0">
                 <a:solidFill>
                   <a:schemeClr val="tx1">
                     <a:lumMod val="65000"/>
@@ -14389,7 +14416,7 @@
               <a:t>3</a:t>
             </a:r>
             <a:r>
-              <a:rPr lang="zh-CN" altLang="en-US" sz="1600">
+              <a:rPr lang="zh-CN" altLang="en-US" sz="1600" dirty="0">
                 <a:solidFill>
                   <a:schemeClr val="tx1">
                     <a:lumMod val="65000"/>
@@ -14401,7 +14428,7 @@
               </a:rPr>
               <a:t>大阶段</a:t>
             </a:r>
-            <a:endParaRPr lang="en-US" altLang="zh-CN" sz="1600">
+            <a:endParaRPr lang="en-US" altLang="zh-CN" sz="1600" dirty="0">
               <a:solidFill>
                 <a:schemeClr val="tx1">
                   <a:lumMod val="65000"/>
@@ -14421,7 +14448,7 @@
               <a:buChar char="p"/>
             </a:pPr>
             <a:r>
-              <a:rPr lang="zh-CN" altLang="en-US" sz="1600">
+              <a:rPr lang="zh-CN" altLang="en-US" sz="1600" dirty="0">
                 <a:solidFill>
                   <a:schemeClr val="tx1">
                     <a:lumMod val="65000"/>
@@ -14433,7 +14460,7 @@
               </a:rPr>
               <a:t>消息发送</a:t>
             </a:r>
-            <a:endParaRPr lang="en-US" altLang="zh-CN" sz="1600">
+            <a:endParaRPr lang="en-US" altLang="zh-CN" sz="1600" dirty="0">
               <a:solidFill>
                 <a:schemeClr val="tx1">
                   <a:lumMod val="65000"/>
@@ -14452,7 +14479,7 @@
               <a:buFont typeface="Wingdings" charset="2"/>
               <a:buChar char="p"/>
             </a:pPr>
-            <a:endParaRPr lang="en-US" altLang="zh-CN" sz="1600">
+            <a:endParaRPr lang="en-US" altLang="zh-CN" sz="1600" dirty="0">
               <a:solidFill>
                 <a:schemeClr val="tx1">
                   <a:lumMod val="65000"/>
@@ -14472,7 +14499,7 @@
               <a:buChar char="p"/>
             </a:pPr>
             <a:r>
-              <a:rPr lang="zh-CN" altLang="en-US" sz="1600">
+              <a:rPr lang="zh-CN" altLang="en-US" sz="1600" dirty="0">
                 <a:solidFill>
                   <a:schemeClr val="tx1">
                     <a:lumMod val="65000"/>
@@ -14484,7 +14511,7 @@
               </a:rPr>
               <a:t>动态方法解析</a:t>
             </a:r>
-            <a:endParaRPr lang="en-US" altLang="zh-CN" sz="1600">
+            <a:endParaRPr lang="en-US" altLang="zh-CN" sz="1600" dirty="0">
               <a:solidFill>
                 <a:schemeClr val="tx1">
                   <a:lumMod val="65000"/>
@@ -14503,7 +14530,7 @@
               <a:buFont typeface="Wingdings" charset="2"/>
               <a:buChar char="p"/>
             </a:pPr>
-            <a:endParaRPr lang="en-US" altLang="zh-CN" sz="1600">
+            <a:endParaRPr lang="en-US" altLang="zh-CN" sz="1600" dirty="0">
               <a:solidFill>
                 <a:schemeClr val="tx1">
                   <a:lumMod val="65000"/>
@@ -14523,7 +14550,7 @@
               <a:buChar char="p"/>
             </a:pPr>
             <a:r>
-              <a:rPr lang="zh-CN" altLang="en-US" sz="1600">
+              <a:rPr lang="zh-CN" altLang="en-US" sz="1600" dirty="0">
                 <a:solidFill>
                   <a:schemeClr val="tx1">
                     <a:lumMod val="65000"/>
@@ -17035,19 +17062,19 @@
           <a:lstStyle/>
           <a:p>
             <a:r>
-              <a:rPr lang="en-US" altLang="zh-CN"/>
+              <a:rPr lang="en-US" altLang="zh-CN" dirty="0" err="1"/>
               <a:t>objc_msgSend</a:t>
             </a:r>
             <a:r>
-              <a:rPr lang="zh-CN" altLang="en-US"/>
+              <a:rPr lang="zh-CN" altLang="en-US" dirty="0"/>
               <a:t>执行流程</a:t>
             </a:r>
             <a:r>
-              <a:rPr lang="en-US" altLang="zh-CN"/>
+              <a:rPr lang="en-US" altLang="zh-CN" dirty="0"/>
               <a:t>01-</a:t>
             </a:r>
             <a:r>
-              <a:rPr lang="zh-CN" altLang="en-US"/>
+              <a:rPr lang="zh-CN" altLang="en-US" dirty="0"/>
               <a:t>消息发送</a:t>
             </a:r>
           </a:p>
@@ -21010,7 +21037,7 @@
               </a:lnSpc>
             </a:pPr>
             <a:r>
-              <a:rPr lang="zh-CN" altLang="en-US" sz="1600">
+              <a:rPr lang="zh-CN" altLang="en-US" sz="1600" dirty="0">
                 <a:solidFill>
                   <a:schemeClr val="tx1">
                     <a:lumMod val="65000"/>
@@ -21020,7 +21047,7 @@
                 <a:latin typeface="微软雅黑" panose="020B0503020204020204" pitchFamily="34" charset="-122"/>
                 <a:ea typeface="微软雅黑" panose="020B0503020204020204" pitchFamily="34" charset="-122"/>
               </a:rPr>
-              <a:t>是</a:t>
+              <a:t>否</a:t>
             </a:r>
           </a:p>
         </p:txBody>
@@ -21053,7 +21080,7 @@
               </a:lnSpc>
             </a:pPr>
             <a:r>
-              <a:rPr lang="zh-CN" altLang="en-US" sz="1600">
+              <a:rPr lang="zh-CN" altLang="en-US" sz="1600" dirty="0">
                 <a:solidFill>
                   <a:schemeClr val="tx1">
                     <a:lumMod val="65000"/>
@@ -21063,7 +21090,7 @@
                 <a:latin typeface="微软雅黑" panose="020B0503020204020204" pitchFamily="34" charset="-122"/>
                 <a:ea typeface="微软雅黑" panose="020B0503020204020204" pitchFamily="34" charset="-122"/>
               </a:rPr>
-              <a:t>否</a:t>
+              <a:t>是</a:t>
             </a:r>
           </a:p>
         </p:txBody>
